--- a/prog/prez/6.pptx
+++ b/prog/prez/6.pptx
@@ -5,10 +5,10 @@
     <p:sldMasterId id="2147483648" r:id="rId1"/>
   </p:sldMasterIdLst>
   <p:notesMasterIdLst>
-    <p:notesMasterId r:id="rId25"/>
+    <p:notesMasterId r:id="rId26"/>
   </p:notesMasterIdLst>
   <p:handoutMasterIdLst>
-    <p:handoutMasterId r:id="rId26"/>
+    <p:handoutMasterId r:id="rId27"/>
   </p:handoutMasterIdLst>
   <p:sldIdLst>
     <p:sldId id="256" r:id="rId2"/>
@@ -34,6 +34,7 @@
     <p:sldId id="280" r:id="rId22"/>
     <p:sldId id="283" r:id="rId23"/>
     <p:sldId id="282" r:id="rId24"/>
+    <p:sldId id="284" r:id="rId25"/>
   </p:sldIdLst>
   <p:sldSz cx="9144000" cy="6858000" type="screen4x3"/>
   <p:notesSz cx="6858000" cy="9144000"/>
@@ -217,7 +218,7 @@
           <a:p>
             <a:fld id="{3E77496C-BF1A-4C2E-8178-AB01FAC34F7B}" type="datetimeFigureOut">
               <a:rPr lang="ru-RU" smtClean="0"/>
-              <a:t>21.10.2018</a:t>
+              <a:t>03.11.2018</a:t>
             </a:fld>
             <a:endParaRPr lang="ru-RU"/>
           </a:p>
@@ -382,7 +383,7 @@
           <a:p>
             <a:fld id="{7A5FA738-8BA6-4619-A55B-C325AF866D0B}" type="datetimeFigureOut">
               <a:rPr lang="ru-RU" smtClean="0"/>
-              <a:t>21.10.2018</a:t>
+              <a:t>03.11.2018</a:t>
             </a:fld>
             <a:endParaRPr lang="ru-RU"/>
           </a:p>
@@ -844,7 +845,7 @@
           <a:p>
             <a:fld id="{B4C71EC6-210F-42DE-9C53-41977AD35B3D}" type="datetimeFigureOut">
               <a:rPr lang="ru-RU" smtClean="0"/>
-              <a:t>21.10.2018</a:t>
+              <a:t>03.11.2018</a:t>
             </a:fld>
             <a:endParaRPr lang="ru-RU"/>
           </a:p>
@@ -941,7 +942,7 @@
           <a:p>
             <a:fld id="{B4C71EC6-210F-42DE-9C53-41977AD35B3D}" type="datetimeFigureOut">
               <a:rPr lang="ru-RU" smtClean="0"/>
-              <a:t>21.10.2018</a:t>
+              <a:t>03.11.2018</a:t>
             </a:fld>
             <a:endParaRPr lang="ru-RU"/>
           </a:p>
@@ -1220,7 +1221,7 @@
           <a:p>
             <a:fld id="{B4C71EC6-210F-42DE-9C53-41977AD35B3D}" type="datetimeFigureOut">
               <a:rPr lang="ru-RU" smtClean="0"/>
-              <a:t>21.10.2018</a:t>
+              <a:t>03.11.2018</a:t>
             </a:fld>
             <a:endParaRPr lang="ru-RU"/>
           </a:p>
@@ -1475,7 +1476,7 @@
           <a:p>
             <a:fld id="{B4C71EC6-210F-42DE-9C53-41977AD35B3D}" type="datetimeFigureOut">
               <a:rPr lang="ru-RU" smtClean="0"/>
-              <a:t>21.10.2018</a:t>
+              <a:t>03.11.2018</a:t>
             </a:fld>
             <a:endParaRPr lang="ru-RU"/>
           </a:p>
@@ -1647,7 +1648,7 @@
           <a:p>
             <a:fld id="{B4C71EC6-210F-42DE-9C53-41977AD35B3D}" type="datetimeFigureOut">
               <a:rPr lang="ru-RU" smtClean="0"/>
-              <a:t>21.10.2018</a:t>
+              <a:t>03.11.2018</a:t>
             </a:fld>
             <a:endParaRPr lang="ru-RU"/>
           </a:p>
@@ -1829,7 +1830,7 @@
           <a:p>
             <a:fld id="{B4C71EC6-210F-42DE-9C53-41977AD35B3D}" type="datetimeFigureOut">
               <a:rPr lang="ru-RU" smtClean="0"/>
-              <a:t>21.10.2018</a:t>
+              <a:t>03.11.2018</a:t>
             </a:fld>
             <a:endParaRPr lang="ru-RU"/>
           </a:p>
@@ -2047,7 +2048,7 @@
           <a:p>
             <a:fld id="{B4C71EC6-210F-42DE-9C53-41977AD35B3D}" type="datetimeFigureOut">
               <a:rPr lang="ru-RU" smtClean="0"/>
-              <a:t>21.10.2018</a:t>
+              <a:t>03.11.2018</a:t>
             </a:fld>
             <a:endParaRPr lang="ru-RU"/>
           </a:p>
@@ -2255,7 +2256,7 @@
           <a:p>
             <a:fld id="{B4C71EC6-210F-42DE-9C53-41977AD35B3D}" type="datetimeFigureOut">
               <a:rPr lang="ru-RU" smtClean="0"/>
-              <a:t>21.10.2018</a:t>
+              <a:t>03.11.2018</a:t>
             </a:fld>
             <a:endParaRPr lang="ru-RU"/>
           </a:p>
@@ -2380,7 +2381,7 @@
           <a:p>
             <a:fld id="{B4C71EC6-210F-42DE-9C53-41977AD35B3D}" type="datetimeFigureOut">
               <a:rPr lang="ru-RU" smtClean="0"/>
-              <a:t>21.10.2018</a:t>
+              <a:t>03.11.2018</a:t>
             </a:fld>
             <a:endParaRPr lang="ru-RU"/>
           </a:p>
@@ -2554,7 +2555,7 @@
           <a:p>
             <a:fld id="{B4C71EC6-210F-42DE-9C53-41977AD35B3D}" type="datetimeFigureOut">
               <a:rPr lang="ru-RU" smtClean="0"/>
-              <a:t>21.10.2018</a:t>
+              <a:t>03.11.2018</a:t>
             </a:fld>
             <a:endParaRPr lang="ru-RU"/>
           </a:p>
@@ -2856,7 +2857,7 @@
           <a:p>
             <a:fld id="{B4C71EC6-210F-42DE-9C53-41977AD35B3D}" type="datetimeFigureOut">
               <a:rPr lang="ru-RU" smtClean="0"/>
-              <a:t>21.10.2018</a:t>
+              <a:t>03.11.2018</a:t>
             </a:fld>
             <a:endParaRPr lang="ru-RU"/>
           </a:p>
@@ -3146,7 +3147,7 @@
           <a:p>
             <a:fld id="{B4C71EC6-210F-42DE-9C53-41977AD35B3D}" type="datetimeFigureOut">
               <a:rPr lang="ru-RU" smtClean="0"/>
-              <a:t>21.10.2018</a:t>
+              <a:t>03.11.2018</a:t>
             </a:fld>
             <a:endParaRPr lang="ru-RU"/>
           </a:p>
@@ -3570,7 +3571,7 @@
           <a:p>
             <a:fld id="{B4C71EC6-210F-42DE-9C53-41977AD35B3D}" type="datetimeFigureOut">
               <a:rPr lang="ru-RU" smtClean="0"/>
-              <a:t>21.10.2018</a:t>
+              <a:t>03.11.2018</a:t>
             </a:fld>
             <a:endParaRPr lang="ru-RU"/>
           </a:p>
@@ -3690,7 +3691,7 @@
           <a:p>
             <a:fld id="{B4C71EC6-210F-42DE-9C53-41977AD35B3D}" type="datetimeFigureOut">
               <a:rPr lang="ru-RU" smtClean="0"/>
-              <a:t>21.10.2018</a:t>
+              <a:t>03.11.2018</a:t>
             </a:fld>
             <a:endParaRPr lang="ru-RU"/>
           </a:p>
@@ -3905,7 +3906,7 @@
           <a:p>
             <a:fld id="{B4C71EC6-210F-42DE-9C53-41977AD35B3D}" type="datetimeFigureOut">
               <a:rPr lang="ru-RU" smtClean="0"/>
-              <a:t>21.10.2018</a:t>
+              <a:t>03.11.2018</a:t>
             </a:fld>
             <a:endParaRPr lang="ru-RU"/>
           </a:p>
@@ -4324,11 +4325,7 @@
             </a:br>
             <a:r>
               <a:rPr lang="ru-RU" dirty="0" smtClean="0"/>
-              <a:t>Лекция </a:t>
-            </a:r>
-            <a:r>
-              <a:rPr lang="ru-RU" dirty="0" smtClean="0"/>
-              <a:t>6</a:t>
+              <a:t>Лекция 6</a:t>
             </a:r>
             <a:endParaRPr lang="ru-RU" dirty="0"/>
           </a:p>
@@ -4701,21 +4698,21 @@
       </p:sp>
       <p:graphicFrame>
         <p:nvGraphicFramePr>
-          <p:cNvPr id="3" name="Таблица 2"/>
+          <p:cNvPr id="5" name="Таблица 4"/>
           <p:cNvGraphicFramePr>
             <a:graphicFrameLocks noGrp="1"/>
           </p:cNvGraphicFramePr>
           <p:nvPr>
             <p:extLst>
               <p:ext uri="{D42A27DB-BD31-4B8C-83A1-F6EECF244321}">
-                <p14:modId xmlns:p14="http://schemas.microsoft.com/office/powerpoint/2010/main" val="3333736696"/>
+                <p14:modId xmlns:p14="http://schemas.microsoft.com/office/powerpoint/2010/main" val="4279516131"/>
               </p:ext>
             </p:extLst>
           </p:nvPr>
         </p:nvGraphicFramePr>
         <p:xfrm>
-          <a:off x="887412" y="1667030"/>
-          <a:ext cx="7496175" cy="2572060"/>
+          <a:off x="881590" y="1713390"/>
+          <a:ext cx="7496176" cy="3065760"/>
         </p:xfrm>
         <a:graphic>
           <a:graphicData uri="http://schemas.openxmlformats.org/drawingml/2006/table">
@@ -4724,97 +4721,620 @@
                 <a:tableStyleId>{073A0DAA-6AF3-43AB-8588-CEC1D06C72B9}</a:tableStyleId>
               </a:tblPr>
               <a:tblGrid>
-                <a:gridCol w="7496175"/>
+                <a:gridCol w="6120680"/>
+                <a:gridCol w="450050"/>
+                <a:gridCol w="450050"/>
+                <a:gridCol w="475396"/>
               </a:tblGrid>
-              <a:tr h="2572060">
+              <a:tr h="324000">
                 <a:tc>
                   <a:txBody>
                     <a:bodyPr/>
                     <a:lstStyle/>
                     <a:p>
+                      <a:pPr algn="ctr"/>
                       <a:r>
-                        <a:rPr lang="en-US" dirty="0" smtClean="0"/>
+                        <a:rPr lang="en-US" dirty="0" smtClean="0">
+                          <a:solidFill>
+                            <a:schemeClr val="tx1"/>
+                          </a:solidFill>
+                          <a:latin typeface="Consolas" panose="020B0609020204030204" pitchFamily="49" charset="0"/>
+                          <a:cs typeface="Consolas" panose="020B0609020204030204" pitchFamily="49" charset="0"/>
+                        </a:rPr>
+                        <a:t>Program</a:t>
+                      </a:r>
+                      <a:endParaRPr lang="ru-RU" dirty="0">
+                        <a:solidFill>
+                          <a:schemeClr val="tx1"/>
+                        </a:solidFill>
+                        <a:latin typeface="Consolas" panose="020B0609020204030204" pitchFamily="49" charset="0"/>
+                        <a:cs typeface="Consolas" panose="020B0609020204030204" pitchFamily="49" charset="0"/>
+                      </a:endParaRPr>
+                    </a:p>
+                  </a:txBody>
+                  <a:tcPr>
+                    <a:lnL w="12700" cap="flat" cmpd="sng" algn="ctr">
+                      <a:solidFill>
+                        <a:schemeClr val="tx1">
+                          <a:lumMod val="50000"/>
+                          <a:lumOff val="50000"/>
+                        </a:schemeClr>
+                      </a:solidFill>
+                      <a:prstDash val="solid"/>
+                      <a:round/>
+                      <a:headEnd type="none" w="med" len="med"/>
+                      <a:tailEnd type="none" w="med" len="med"/>
+                    </a:lnL>
+                    <a:lnR w="12700" cap="flat" cmpd="sng" algn="ctr">
+                      <a:solidFill>
+                        <a:schemeClr val="tx1">
+                          <a:lumMod val="50000"/>
+                          <a:lumOff val="50000"/>
+                        </a:schemeClr>
+                      </a:solidFill>
+                      <a:prstDash val="solid"/>
+                      <a:round/>
+                      <a:headEnd type="none" w="med" len="med"/>
+                      <a:tailEnd type="none" w="med" len="med"/>
+                    </a:lnR>
+                    <a:lnT w="12700" cap="flat" cmpd="sng" algn="ctr">
+                      <a:solidFill>
+                        <a:schemeClr val="tx1">
+                          <a:lumMod val="50000"/>
+                          <a:lumOff val="50000"/>
+                        </a:schemeClr>
+                      </a:solidFill>
+                      <a:prstDash val="solid"/>
+                      <a:round/>
+                      <a:headEnd type="none" w="med" len="med"/>
+                      <a:tailEnd type="none" w="med" len="med"/>
+                    </a:lnT>
+                    <a:lnB w="12700" cap="flat" cmpd="sng" algn="ctr">
+                      <a:solidFill>
+                        <a:schemeClr val="tx1">
+                          <a:lumMod val="50000"/>
+                          <a:lumOff val="50000"/>
+                        </a:schemeClr>
+                      </a:solidFill>
+                      <a:prstDash val="solid"/>
+                      <a:round/>
+                      <a:headEnd type="none" w="med" len="med"/>
+                      <a:tailEnd type="none" w="med" len="med"/>
+                    </a:lnB>
+                    <a:solidFill>
+                      <a:schemeClr val="tx2">
+                        <a:lumMod val="40000"/>
+                        <a:lumOff val="60000"/>
+                      </a:schemeClr>
+                    </a:solidFill>
+                  </a:tcPr>
+                </a:tc>
+                <a:tc>
+                  <a:txBody>
+                    <a:bodyPr/>
+                    <a:lstStyle/>
+                    <a:p>
+                      <a:pPr algn="ctr"/>
+                      <a:r>
+                        <a:rPr lang="en-US" smtClean="0">
+                          <a:solidFill>
+                            <a:schemeClr val="tx1"/>
+                          </a:solidFill>
+                          <a:latin typeface="Consolas" panose="020B0609020204030204" pitchFamily="49" charset="0"/>
+                          <a:cs typeface="Consolas" panose="020B0609020204030204" pitchFamily="49" charset="0"/>
+                        </a:rPr>
+                        <a:t>_</a:t>
+                      </a:r>
+                      <a:endParaRPr lang="ru-RU" dirty="0">
+                        <a:solidFill>
+                          <a:schemeClr val="tx1"/>
+                        </a:solidFill>
+                        <a:latin typeface="Consolas" panose="020B0609020204030204" pitchFamily="49" charset="0"/>
+                        <a:cs typeface="Consolas" panose="020B0609020204030204" pitchFamily="49" charset="0"/>
+                      </a:endParaRPr>
+                    </a:p>
+                  </a:txBody>
+                  <a:tcPr anchor="ctr">
+                    <a:lnL w="12700" cap="flat" cmpd="sng" algn="ctr">
+                      <a:solidFill>
+                        <a:schemeClr val="tx1">
+                          <a:lumMod val="50000"/>
+                          <a:lumOff val="50000"/>
+                        </a:schemeClr>
+                      </a:solidFill>
+                      <a:prstDash val="solid"/>
+                      <a:round/>
+                      <a:headEnd type="none" w="med" len="med"/>
+                      <a:tailEnd type="none" w="med" len="med"/>
+                    </a:lnL>
+                    <a:lnR w="12700" cap="flat" cmpd="sng" algn="ctr">
+                      <a:solidFill>
+                        <a:schemeClr val="tx1">
+                          <a:lumMod val="50000"/>
+                          <a:lumOff val="50000"/>
+                        </a:schemeClr>
+                      </a:solidFill>
+                      <a:prstDash val="solid"/>
+                      <a:round/>
+                      <a:headEnd type="none" w="med" len="med"/>
+                      <a:tailEnd type="none" w="med" len="med"/>
+                    </a:lnR>
+                    <a:lnT w="12700" cap="flat" cmpd="sng" algn="ctr">
+                      <a:solidFill>
+                        <a:schemeClr val="tx1">
+                          <a:lumMod val="50000"/>
+                          <a:lumOff val="50000"/>
+                        </a:schemeClr>
+                      </a:solidFill>
+                      <a:prstDash val="solid"/>
+                      <a:round/>
+                      <a:headEnd type="none" w="med" len="med"/>
+                      <a:tailEnd type="none" w="med" len="med"/>
+                    </a:lnT>
+                    <a:lnB w="12700" cap="flat" cmpd="sng" algn="ctr">
+                      <a:solidFill>
+                        <a:schemeClr val="tx1">
+                          <a:lumMod val="50000"/>
+                          <a:lumOff val="50000"/>
+                        </a:schemeClr>
+                      </a:solidFill>
+                      <a:prstDash val="solid"/>
+                      <a:round/>
+                      <a:headEnd type="none" w="med" len="med"/>
+                      <a:tailEnd type="none" w="med" len="med"/>
+                    </a:lnB>
+                    <a:solidFill>
+                      <a:schemeClr val="tx2">
+                        <a:lumMod val="40000"/>
+                        <a:lumOff val="60000"/>
+                      </a:schemeClr>
+                    </a:solidFill>
+                  </a:tcPr>
+                </a:tc>
+                <a:tc>
+                  <a:txBody>
+                    <a:bodyPr/>
+                    <a:lstStyle/>
+                    <a:p>
+                      <a:pPr algn="ctr"/>
+                      <a:r>
+                        <a:rPr lang="en-US" smtClean="0">
+                          <a:solidFill>
+                            <a:schemeClr val="tx1"/>
+                          </a:solidFill>
+                          <a:latin typeface="Consolas" panose="020B0609020204030204" pitchFamily="49" charset="0"/>
+                          <a:cs typeface="Consolas" panose="020B0609020204030204" pitchFamily="49" charset="0"/>
+                        </a:rPr>
+                        <a:t>□</a:t>
+                      </a:r>
+                      <a:endParaRPr lang="ru-RU" dirty="0">
+                        <a:solidFill>
+                          <a:schemeClr val="tx1"/>
+                        </a:solidFill>
+                        <a:latin typeface="Consolas" panose="020B0609020204030204" pitchFamily="49" charset="0"/>
+                        <a:cs typeface="Consolas" panose="020B0609020204030204" pitchFamily="49" charset="0"/>
+                      </a:endParaRPr>
+                    </a:p>
+                  </a:txBody>
+                  <a:tcPr anchor="ctr">
+                    <a:lnL w="12700" cap="flat" cmpd="sng" algn="ctr">
+                      <a:solidFill>
+                        <a:schemeClr val="tx1">
+                          <a:lumMod val="50000"/>
+                          <a:lumOff val="50000"/>
+                        </a:schemeClr>
+                      </a:solidFill>
+                      <a:prstDash val="solid"/>
+                      <a:round/>
+                      <a:headEnd type="none" w="med" len="med"/>
+                      <a:tailEnd type="none" w="med" len="med"/>
+                    </a:lnL>
+                    <a:lnR w="12700" cap="flat" cmpd="sng" algn="ctr">
+                      <a:solidFill>
+                        <a:schemeClr val="tx1">
+                          <a:lumMod val="50000"/>
+                          <a:lumOff val="50000"/>
+                        </a:schemeClr>
+                      </a:solidFill>
+                      <a:prstDash val="solid"/>
+                      <a:round/>
+                      <a:headEnd type="none" w="med" len="med"/>
+                      <a:tailEnd type="none" w="med" len="med"/>
+                    </a:lnR>
+                    <a:lnT w="12700" cap="flat" cmpd="sng" algn="ctr">
+                      <a:solidFill>
+                        <a:schemeClr val="tx1">
+                          <a:lumMod val="50000"/>
+                          <a:lumOff val="50000"/>
+                        </a:schemeClr>
+                      </a:solidFill>
+                      <a:prstDash val="solid"/>
+                      <a:round/>
+                      <a:headEnd type="none" w="med" len="med"/>
+                      <a:tailEnd type="none" w="med" len="med"/>
+                    </a:lnT>
+                    <a:lnB w="12700" cap="flat" cmpd="sng" algn="ctr">
+                      <a:solidFill>
+                        <a:schemeClr val="tx1">
+                          <a:lumMod val="50000"/>
+                          <a:lumOff val="50000"/>
+                        </a:schemeClr>
+                      </a:solidFill>
+                      <a:prstDash val="solid"/>
+                      <a:round/>
+                      <a:headEnd type="none" w="med" len="med"/>
+                      <a:tailEnd type="none" w="med" len="med"/>
+                    </a:lnB>
+                    <a:solidFill>
+                      <a:schemeClr val="tx2">
+                        <a:lumMod val="40000"/>
+                        <a:lumOff val="60000"/>
+                      </a:schemeClr>
+                    </a:solidFill>
+                  </a:tcPr>
+                </a:tc>
+                <a:tc>
+                  <a:txBody>
+                    <a:bodyPr/>
+                    <a:lstStyle/>
+                    <a:p>
+                      <a:pPr algn="ctr"/>
+                      <a:r>
+                        <a:rPr lang="en-US" smtClean="0">
+                          <a:solidFill>
+                            <a:schemeClr val="tx1"/>
+                          </a:solidFill>
+                          <a:latin typeface="Consolas" panose="020B0609020204030204" pitchFamily="49" charset="0"/>
+                          <a:cs typeface="Consolas" panose="020B0609020204030204" pitchFamily="49" charset="0"/>
+                        </a:rPr>
+                        <a:t>X</a:t>
+                      </a:r>
+                      <a:endParaRPr lang="ru-RU" dirty="0">
+                        <a:solidFill>
+                          <a:schemeClr val="tx1"/>
+                        </a:solidFill>
+                        <a:latin typeface="Consolas" panose="020B0609020204030204" pitchFamily="49" charset="0"/>
+                        <a:cs typeface="Consolas" panose="020B0609020204030204" pitchFamily="49" charset="0"/>
+                      </a:endParaRPr>
+                    </a:p>
+                  </a:txBody>
+                  <a:tcPr anchor="ctr">
+                    <a:lnL w="12700" cap="flat" cmpd="sng" algn="ctr">
+                      <a:solidFill>
+                        <a:schemeClr val="tx1">
+                          <a:lumMod val="50000"/>
+                          <a:lumOff val="50000"/>
+                        </a:schemeClr>
+                      </a:solidFill>
+                      <a:prstDash val="solid"/>
+                      <a:round/>
+                      <a:headEnd type="none" w="med" len="med"/>
+                      <a:tailEnd type="none" w="med" len="med"/>
+                    </a:lnL>
+                    <a:lnR w="12700" cap="flat" cmpd="sng" algn="ctr">
+                      <a:solidFill>
+                        <a:schemeClr val="tx1">
+                          <a:lumMod val="50000"/>
+                          <a:lumOff val="50000"/>
+                        </a:schemeClr>
+                      </a:solidFill>
+                      <a:prstDash val="solid"/>
+                      <a:round/>
+                      <a:headEnd type="none" w="med" len="med"/>
+                      <a:tailEnd type="none" w="med" len="med"/>
+                    </a:lnR>
+                    <a:lnT w="12700" cap="flat" cmpd="sng" algn="ctr">
+                      <a:solidFill>
+                        <a:schemeClr val="tx1">
+                          <a:lumMod val="50000"/>
+                          <a:lumOff val="50000"/>
+                        </a:schemeClr>
+                      </a:solidFill>
+                      <a:prstDash val="solid"/>
+                      <a:round/>
+                      <a:headEnd type="none" w="med" len="med"/>
+                      <a:tailEnd type="none" w="med" len="med"/>
+                    </a:lnT>
+                    <a:lnB w="12700" cap="flat" cmpd="sng" algn="ctr">
+                      <a:solidFill>
+                        <a:schemeClr val="tx1">
+                          <a:lumMod val="50000"/>
+                          <a:lumOff val="50000"/>
+                        </a:schemeClr>
+                      </a:solidFill>
+                      <a:prstDash val="solid"/>
+                      <a:round/>
+                      <a:headEnd type="none" w="med" len="med"/>
+                      <a:tailEnd type="none" w="med" len="med"/>
+                    </a:lnB>
+                    <a:solidFill>
+                      <a:schemeClr val="tx2">
+                        <a:lumMod val="40000"/>
+                        <a:lumOff val="60000"/>
+                      </a:schemeClr>
+                    </a:solidFill>
+                  </a:tcPr>
+                </a:tc>
+              </a:tr>
+              <a:tr h="2700000">
+                <a:tc gridSpan="4">
+                  <a:txBody>
+                    <a:bodyPr/>
+                    <a:lstStyle/>
+                    <a:p>
+                      <a:r>
+                        <a:rPr lang="en-US" dirty="0" smtClean="0">
+                          <a:solidFill>
+                            <a:schemeClr val="bg1"/>
+                          </a:solidFill>
+                          <a:latin typeface="Consolas" panose="020B0609020204030204" pitchFamily="49" charset="0"/>
+                          <a:cs typeface="Consolas" panose="020B0609020204030204" pitchFamily="49" charset="0"/>
+                        </a:rPr>
                         <a:t>array[0] = 5</a:t>
                       </a:r>
                     </a:p>
                     <a:p>
                       <a:r>
-                        <a:rPr lang="en-US" dirty="0" smtClean="0"/>
+                        <a:rPr lang="en-US" dirty="0" smtClean="0">
+                          <a:solidFill>
+                            <a:schemeClr val="bg1"/>
+                          </a:solidFill>
+                          <a:latin typeface="Consolas" panose="020B0609020204030204" pitchFamily="49" charset="0"/>
+                          <a:cs typeface="Consolas" panose="020B0609020204030204" pitchFamily="49" charset="0"/>
+                        </a:rPr>
                         <a:t>array[1] = -12</a:t>
                       </a:r>
                     </a:p>
                     <a:p>
                       <a:r>
-                        <a:rPr lang="en-US" dirty="0" smtClean="0"/>
+                        <a:rPr lang="en-US" dirty="0" smtClean="0">
+                          <a:solidFill>
+                            <a:schemeClr val="bg1"/>
+                          </a:solidFill>
+                          <a:latin typeface="Consolas" panose="020B0609020204030204" pitchFamily="49" charset="0"/>
+                          <a:cs typeface="Consolas" panose="020B0609020204030204" pitchFamily="49" charset="0"/>
+                        </a:rPr>
                         <a:t>array[2] = -12</a:t>
                       </a:r>
                     </a:p>
                     <a:p>
                       <a:r>
-                        <a:rPr lang="en-US" dirty="0" smtClean="0"/>
+                        <a:rPr lang="en-US" dirty="0" smtClean="0">
+                          <a:solidFill>
+                            <a:schemeClr val="bg1"/>
+                          </a:solidFill>
+                          <a:latin typeface="Consolas" panose="020B0609020204030204" pitchFamily="49" charset="0"/>
+                          <a:cs typeface="Consolas" panose="020B0609020204030204" pitchFamily="49" charset="0"/>
+                        </a:rPr>
                         <a:t>array[3] = 9</a:t>
                       </a:r>
                     </a:p>
                     <a:p>
                       <a:r>
-                        <a:rPr lang="en-US" dirty="0" smtClean="0"/>
+                        <a:rPr lang="en-US" dirty="0" smtClean="0">
+                          <a:solidFill>
+                            <a:schemeClr val="bg1"/>
+                          </a:solidFill>
+                          <a:latin typeface="Consolas" panose="020B0609020204030204" pitchFamily="49" charset="0"/>
+                          <a:cs typeface="Consolas" panose="020B0609020204030204" pitchFamily="49" charset="0"/>
+                        </a:rPr>
                         <a:t>array[4] = 10</a:t>
                       </a:r>
                     </a:p>
                     <a:p>
                       <a:r>
-                        <a:rPr lang="en-US" dirty="0" smtClean="0"/>
+                        <a:rPr lang="en-US" dirty="0" smtClean="0">
+                          <a:solidFill>
+                            <a:schemeClr val="bg1"/>
+                          </a:solidFill>
+                          <a:latin typeface="Consolas" panose="020B0609020204030204" pitchFamily="49" charset="0"/>
+                          <a:cs typeface="Consolas" panose="020B0609020204030204" pitchFamily="49" charset="0"/>
+                        </a:rPr>
                         <a:t>array[5] = 0</a:t>
                       </a:r>
                     </a:p>
                     <a:p>
                       <a:r>
-                        <a:rPr lang="en-US" dirty="0" smtClean="0"/>
+                        <a:rPr lang="en-US" dirty="0" smtClean="0">
+                          <a:solidFill>
+                            <a:schemeClr val="bg1"/>
+                          </a:solidFill>
+                          <a:latin typeface="Consolas" panose="020B0609020204030204" pitchFamily="49" charset="0"/>
+                          <a:cs typeface="Consolas" panose="020B0609020204030204" pitchFamily="49" charset="0"/>
+                        </a:rPr>
                         <a:t>array[6] = -9</a:t>
                       </a:r>
                     </a:p>
                     <a:p>
                       <a:r>
-                        <a:rPr lang="en-US" dirty="0" err="1" smtClean="0"/>
+                        <a:rPr lang="en-US" dirty="0" err="1" smtClean="0">
+                          <a:solidFill>
+                            <a:schemeClr val="bg1"/>
+                          </a:solidFill>
+                          <a:latin typeface="Consolas" panose="020B0609020204030204" pitchFamily="49" charset="0"/>
+                          <a:cs typeface="Consolas" panose="020B0609020204030204" pitchFamily="49" charset="0"/>
+                        </a:rPr>
                         <a:t>Для</a:t>
                       </a:r>
                       <a:r>
-                        <a:rPr lang="en-US" dirty="0" smtClean="0"/>
+                        <a:rPr lang="en-US" dirty="0" smtClean="0">
+                          <a:solidFill>
+                            <a:schemeClr val="bg1"/>
+                          </a:solidFill>
+                          <a:latin typeface="Consolas" panose="020B0609020204030204" pitchFamily="49" charset="0"/>
+                          <a:cs typeface="Consolas" panose="020B0609020204030204" pitchFamily="49" charset="0"/>
+                        </a:rPr>
                         <a:t> </a:t>
                       </a:r>
                       <a:r>
-                        <a:rPr lang="en-US" dirty="0" err="1" smtClean="0"/>
+                        <a:rPr lang="en-US" dirty="0" err="1" smtClean="0">
+                          <a:solidFill>
+                            <a:schemeClr val="bg1"/>
+                          </a:solidFill>
+                          <a:latin typeface="Consolas" panose="020B0609020204030204" pitchFamily="49" charset="0"/>
+                          <a:cs typeface="Consolas" panose="020B0609020204030204" pitchFamily="49" charset="0"/>
+                        </a:rPr>
                         <a:t>продолжения</a:t>
                       </a:r>
                       <a:r>
-                        <a:rPr lang="en-US" dirty="0" smtClean="0"/>
+                        <a:rPr lang="en-US" dirty="0" smtClean="0">
+                          <a:solidFill>
+                            <a:schemeClr val="bg1"/>
+                          </a:solidFill>
+                          <a:latin typeface="Consolas" panose="020B0609020204030204" pitchFamily="49" charset="0"/>
+                          <a:cs typeface="Consolas" panose="020B0609020204030204" pitchFamily="49" charset="0"/>
+                        </a:rPr>
                         <a:t> </a:t>
                       </a:r>
                       <a:r>
-                        <a:rPr lang="en-US" dirty="0" err="1" smtClean="0"/>
+                        <a:rPr lang="en-US" dirty="0" err="1" smtClean="0">
+                          <a:solidFill>
+                            <a:schemeClr val="bg1"/>
+                          </a:solidFill>
+                          <a:latin typeface="Consolas" panose="020B0609020204030204" pitchFamily="49" charset="0"/>
+                          <a:cs typeface="Consolas" panose="020B0609020204030204" pitchFamily="49" charset="0"/>
+                        </a:rPr>
                         <a:t>нажмите</a:t>
                       </a:r>
                       <a:r>
-                        <a:rPr lang="en-US" dirty="0" smtClean="0"/>
+                        <a:rPr lang="en-US" dirty="0" smtClean="0">
+                          <a:solidFill>
+                            <a:schemeClr val="bg1"/>
+                          </a:solidFill>
+                          <a:latin typeface="Consolas" panose="020B0609020204030204" pitchFamily="49" charset="0"/>
+                          <a:cs typeface="Consolas" panose="020B0609020204030204" pitchFamily="49" charset="0"/>
+                        </a:rPr>
                         <a:t> </a:t>
                       </a:r>
                       <a:r>
-                        <a:rPr lang="en-US" dirty="0" err="1" smtClean="0"/>
+                        <a:rPr lang="en-US" dirty="0" err="1" smtClean="0">
+                          <a:solidFill>
+                            <a:schemeClr val="bg1"/>
+                          </a:solidFill>
+                          <a:latin typeface="Consolas" panose="020B0609020204030204" pitchFamily="49" charset="0"/>
+                          <a:cs typeface="Consolas" panose="020B0609020204030204" pitchFamily="49" charset="0"/>
+                        </a:rPr>
                         <a:t>любую</a:t>
                       </a:r>
                       <a:r>
-                        <a:rPr lang="en-US" dirty="0" smtClean="0"/>
+                        <a:rPr lang="en-US" dirty="0" smtClean="0">
+                          <a:solidFill>
+                            <a:schemeClr val="bg1"/>
+                          </a:solidFill>
+                          <a:latin typeface="Consolas" panose="020B0609020204030204" pitchFamily="49" charset="0"/>
+                          <a:cs typeface="Consolas" panose="020B0609020204030204" pitchFamily="49" charset="0"/>
+                        </a:rPr>
                         <a:t> </a:t>
                       </a:r>
                       <a:r>
-                        <a:rPr lang="en-US" dirty="0" err="1" smtClean="0"/>
+                        <a:rPr lang="en-US" dirty="0" err="1" smtClean="0">
+                          <a:solidFill>
+                            <a:schemeClr val="bg1"/>
+                          </a:solidFill>
+                          <a:latin typeface="Consolas" panose="020B0609020204030204" pitchFamily="49" charset="0"/>
+                          <a:cs typeface="Consolas" panose="020B0609020204030204" pitchFamily="49" charset="0"/>
+                        </a:rPr>
                         <a:t>клавишу</a:t>
                       </a:r>
                       <a:r>
-                        <a:rPr lang="en-US" dirty="0" smtClean="0"/>
+                        <a:rPr lang="en-US" dirty="0" smtClean="0">
+                          <a:solidFill>
+                            <a:schemeClr val="bg1"/>
+                          </a:solidFill>
+                          <a:latin typeface="Consolas" panose="020B0609020204030204" pitchFamily="49" charset="0"/>
+                          <a:cs typeface="Consolas" panose="020B0609020204030204" pitchFamily="49" charset="0"/>
+                        </a:rPr>
                         <a:t> . . .</a:t>
                       </a:r>
-                      <a:endParaRPr lang="ru-RU" dirty="0"/>
+                      <a:endParaRPr lang="ru-RU" dirty="0">
+                        <a:solidFill>
+                          <a:schemeClr val="bg1"/>
+                        </a:solidFill>
+                        <a:latin typeface="Consolas" panose="020B0609020204030204" pitchFamily="49" charset="0"/>
+                        <a:cs typeface="Consolas" panose="020B0609020204030204" pitchFamily="49" charset="0"/>
+                      </a:endParaRPr>
+                    </a:p>
+                  </a:txBody>
+                  <a:tcPr>
+                    <a:lnL w="12700" cap="flat" cmpd="sng" algn="ctr">
+                      <a:solidFill>
+                        <a:schemeClr val="tx1">
+                          <a:lumMod val="50000"/>
+                          <a:lumOff val="50000"/>
+                        </a:schemeClr>
+                      </a:solidFill>
+                      <a:prstDash val="solid"/>
+                      <a:round/>
+                      <a:headEnd type="none" w="med" len="med"/>
+                      <a:tailEnd type="none" w="med" len="med"/>
+                    </a:lnL>
+                    <a:lnR w="12700" cap="flat" cmpd="sng" algn="ctr">
+                      <a:solidFill>
+                        <a:schemeClr val="tx1">
+                          <a:lumMod val="50000"/>
+                          <a:lumOff val="50000"/>
+                        </a:schemeClr>
+                      </a:solidFill>
+                      <a:prstDash val="solid"/>
+                      <a:round/>
+                      <a:headEnd type="none" w="med" len="med"/>
+                      <a:tailEnd type="none" w="med" len="med"/>
+                    </a:lnR>
+                    <a:lnT w="12700" cap="flat" cmpd="sng" algn="ctr">
+                      <a:solidFill>
+                        <a:schemeClr val="tx1">
+                          <a:lumMod val="50000"/>
+                          <a:lumOff val="50000"/>
+                        </a:schemeClr>
+                      </a:solidFill>
+                      <a:prstDash val="solid"/>
+                      <a:round/>
+                      <a:headEnd type="none" w="med" len="med"/>
+                      <a:tailEnd type="none" w="med" len="med"/>
+                    </a:lnT>
+                    <a:lnB w="12700" cap="flat" cmpd="sng" algn="ctr">
+                      <a:solidFill>
+                        <a:schemeClr val="tx1">
+                          <a:lumMod val="50000"/>
+                          <a:lumOff val="50000"/>
+                        </a:schemeClr>
+                      </a:solidFill>
+                      <a:prstDash val="solid"/>
+                      <a:round/>
+                      <a:headEnd type="none" w="med" len="med"/>
+                      <a:tailEnd type="none" w="med" len="med"/>
+                    </a:lnB>
+                    <a:solidFill>
+                      <a:schemeClr val="tx1"/>
+                    </a:solidFill>
+                  </a:tcPr>
+                </a:tc>
+                <a:tc hMerge="1">
+                  <a:txBody>
+                    <a:bodyPr/>
+                    <a:lstStyle/>
+                    <a:p>
+                      <a:endParaRPr lang="ru-RU"/>
+                    </a:p>
+                  </a:txBody>
+                  <a:tcPr/>
+                </a:tc>
+                <a:tc hMerge="1">
+                  <a:txBody>
+                    <a:bodyPr/>
+                    <a:lstStyle/>
+                    <a:p>
+                      <a:endParaRPr lang="ru-RU"/>
+                    </a:p>
+                  </a:txBody>
+                  <a:tcPr/>
+                </a:tc>
+                <a:tc hMerge="1">
+                  <a:txBody>
+                    <a:bodyPr/>
+                    <a:lstStyle/>
+                    <a:p>
+                      <a:endParaRPr lang="ru-RU"/>
                     </a:p>
                   </a:txBody>
                   <a:tcPr/>
@@ -16477,10 +16997,6 @@
               </a:rPr>
               <a:t>Использование динамически объявленных массивов полностью идентично использованию статических массивов</a:t>
             </a:r>
-            <a:endParaRPr lang="ru-RU" dirty="0" smtClean="0">
-              <a:latin typeface="Consolas" panose="020B0609020204030204" pitchFamily="49" charset="0"/>
-              <a:cs typeface="Consolas" panose="020B0609020204030204" pitchFamily="49" charset="0"/>
-            </a:endParaRPr>
           </a:p>
           <a:p>
             <a:endParaRPr lang="ru-RU" dirty="0">
@@ -16579,34 +17095,337 @@
           <a:lstStyle/>
           <a:p>
             <a:r>
+              <a:rPr lang="ru-RU" dirty="0">
+                <a:solidFill>
+                  <a:srgbClr val="666666"/>
+                </a:solidFill>
+                <a:latin typeface="Consolas" panose="020B0609020204030204" pitchFamily="49" charset="0"/>
+                <a:cs typeface="Consolas" panose="020B0609020204030204" pitchFamily="49" charset="0"/>
+              </a:rPr>
+              <a:t>// Так делать нельзя, массив </a:t>
+            </a:r>
+            <a:r>
+              <a:rPr lang="en-US" b="1" dirty="0" smtClean="0">
+                <a:solidFill>
+                  <a:srgbClr val="666666"/>
+                </a:solidFill>
+                <a:latin typeface="Consolas" panose="020B0609020204030204" pitchFamily="49" charset="0"/>
+                <a:cs typeface="Consolas" panose="020B0609020204030204" pitchFamily="49" charset="0"/>
+              </a:rPr>
+              <a:t>array</a:t>
+            </a:r>
+            <a:r>
               <a:rPr lang="en-US" dirty="0" smtClean="0">
                 <a:solidFill>
-                  <a:schemeClr val="bg1">
-                    <a:lumMod val="50000"/>
-                  </a:schemeClr>
-                </a:solidFill>
-                <a:latin typeface="Consolas" panose="020B0609020204030204" pitchFamily="49" charset="0"/>
-                <a:cs typeface="Consolas" panose="020B0609020204030204" pitchFamily="49" charset="0"/>
-              </a:rPr>
-              <a:t>// </a:t>
+                  <a:srgbClr val="666666"/>
+                </a:solidFill>
+                <a:latin typeface="Consolas" panose="020B0609020204030204" pitchFamily="49" charset="0"/>
+                <a:cs typeface="Consolas" panose="020B0609020204030204" pitchFamily="49" charset="0"/>
+              </a:rPr>
+              <a:t> </a:t>
             </a:r>
             <a:r>
               <a:rPr lang="ru-RU" dirty="0" smtClean="0">
                 <a:solidFill>
-                  <a:schemeClr val="bg1">
-                    <a:lumMod val="50000"/>
-                  </a:schemeClr>
-                </a:solidFill>
-                <a:latin typeface="Consolas" panose="020B0609020204030204" pitchFamily="49" charset="0"/>
-                <a:cs typeface="Consolas" panose="020B0609020204030204" pitchFamily="49" charset="0"/>
-              </a:rPr>
-              <a:t>Так делать нельзя</a:t>
-            </a:r>
+                  <a:srgbClr val="666666"/>
+                </a:solidFill>
+                <a:latin typeface="Consolas" panose="020B0609020204030204" pitchFamily="49" charset="0"/>
+                <a:cs typeface="Consolas" panose="020B0609020204030204" pitchFamily="49" charset="0"/>
+              </a:rPr>
+              <a:t>существует </a:t>
+            </a:r>
+            <a:r>
+              <a:rPr lang="ru-RU" dirty="0">
+                <a:solidFill>
+                  <a:srgbClr val="666666"/>
+                </a:solidFill>
+                <a:latin typeface="Consolas" panose="020B0609020204030204" pitchFamily="49" charset="0"/>
+                <a:cs typeface="Consolas" panose="020B0609020204030204" pitchFamily="49" charset="0"/>
+              </a:rPr>
+              <a:t>только внутри функции </a:t>
+            </a:r>
+            <a:r>
+              <a:rPr lang="en-US" b="1" dirty="0" err="1">
+                <a:solidFill>
+                  <a:srgbClr val="666666"/>
+                </a:solidFill>
+                <a:latin typeface="Consolas" panose="020B0609020204030204" pitchFamily="49" charset="0"/>
+                <a:cs typeface="Consolas" panose="020B0609020204030204" pitchFamily="49" charset="0"/>
+              </a:rPr>
+              <a:t>fill_zerro</a:t>
+            </a:r>
+            <a:r>
+              <a:rPr lang="en-US" dirty="0">
+                <a:latin typeface="Consolas" panose="020B0609020204030204" pitchFamily="49" charset="0"/>
+                <a:cs typeface="Consolas" panose="020B0609020204030204" pitchFamily="49" charset="0"/>
+              </a:rPr>
+              <a:t> </a:t>
+            </a:r>
+            <a:endParaRPr lang="en-US" dirty="0" smtClean="0">
+              <a:latin typeface="Consolas" panose="020B0609020204030204" pitchFamily="49" charset="0"/>
+              <a:cs typeface="Consolas" panose="020B0609020204030204" pitchFamily="49" charset="0"/>
+            </a:endParaRPr>
+          </a:p>
+          <a:p>
+            <a:r>
+              <a:rPr lang="en-US" dirty="0" err="1" smtClean="0">
+                <a:solidFill>
+                  <a:srgbClr val="0000FF"/>
+                </a:solidFill>
+                <a:latin typeface="Consolas" panose="020B0609020204030204" pitchFamily="49" charset="0"/>
+                <a:cs typeface="Consolas" panose="020B0609020204030204" pitchFamily="49" charset="0"/>
+              </a:rPr>
+              <a:t>int</a:t>
+            </a:r>
+            <a:r>
+              <a:rPr lang="en-US" dirty="0">
+                <a:solidFill>
+                  <a:srgbClr val="000040"/>
+                </a:solidFill>
+                <a:latin typeface="Consolas" panose="020B0609020204030204" pitchFamily="49" charset="0"/>
+                <a:cs typeface="Consolas" panose="020B0609020204030204" pitchFamily="49" charset="0"/>
+              </a:rPr>
+              <a:t>*</a:t>
+            </a:r>
+            <a:r>
+              <a:rPr lang="en-US" dirty="0">
+                <a:latin typeface="Consolas" panose="020B0609020204030204" pitchFamily="49" charset="0"/>
+                <a:cs typeface="Consolas" panose="020B0609020204030204" pitchFamily="49" charset="0"/>
+              </a:rPr>
+              <a:t> </a:t>
+            </a:r>
+            <a:r>
+              <a:rPr lang="en-US" dirty="0" err="1">
+                <a:latin typeface="Consolas" panose="020B0609020204030204" pitchFamily="49" charset="0"/>
+                <a:cs typeface="Consolas" panose="020B0609020204030204" pitchFamily="49" charset="0"/>
+              </a:rPr>
+              <a:t>fill_zerro</a:t>
+            </a:r>
+            <a:r>
+              <a:rPr lang="en-US" dirty="0" smtClean="0">
+                <a:solidFill>
+                  <a:srgbClr val="008000"/>
+                </a:solidFill>
+                <a:latin typeface="Consolas" panose="020B0609020204030204" pitchFamily="49" charset="0"/>
+                <a:cs typeface="Consolas" panose="020B0609020204030204" pitchFamily="49" charset="0"/>
+              </a:rPr>
+              <a:t>(){</a:t>
+            </a:r>
+            <a:endParaRPr lang="en-US" dirty="0" smtClean="0">
+              <a:latin typeface="Consolas" panose="020B0609020204030204" pitchFamily="49" charset="0"/>
+              <a:cs typeface="Consolas" panose="020B0609020204030204" pitchFamily="49" charset="0"/>
+            </a:endParaRPr>
+          </a:p>
+          <a:p>
+            <a:r>
+              <a:rPr lang="en-US" dirty="0">
+                <a:solidFill>
+                  <a:srgbClr val="0000FF"/>
+                </a:solidFill>
+                <a:latin typeface="Consolas" panose="020B0609020204030204" pitchFamily="49" charset="0"/>
+                <a:cs typeface="Consolas" panose="020B0609020204030204" pitchFamily="49" charset="0"/>
+              </a:rPr>
+              <a:t> </a:t>
+            </a:r>
+            <a:r>
+              <a:rPr lang="en-US" dirty="0" smtClean="0">
+                <a:solidFill>
+                  <a:srgbClr val="0000FF"/>
+                </a:solidFill>
+                <a:latin typeface="Consolas" panose="020B0609020204030204" pitchFamily="49" charset="0"/>
+                <a:cs typeface="Consolas" panose="020B0609020204030204" pitchFamily="49" charset="0"/>
+              </a:rPr>
+              <a:t>   </a:t>
+            </a:r>
+            <a:r>
+              <a:rPr lang="en-US" dirty="0" err="1" smtClean="0">
+                <a:solidFill>
+                  <a:srgbClr val="0000FF"/>
+                </a:solidFill>
+                <a:latin typeface="Consolas" panose="020B0609020204030204" pitchFamily="49" charset="0"/>
+                <a:cs typeface="Consolas" panose="020B0609020204030204" pitchFamily="49" charset="0"/>
+              </a:rPr>
+              <a:t>int</a:t>
+            </a:r>
+            <a:r>
+              <a:rPr lang="en-US" dirty="0" smtClean="0">
+                <a:latin typeface="Consolas" panose="020B0609020204030204" pitchFamily="49" charset="0"/>
+                <a:cs typeface="Consolas" panose="020B0609020204030204" pitchFamily="49" charset="0"/>
+              </a:rPr>
+              <a:t> </a:t>
+            </a:r>
+            <a:r>
+              <a:rPr lang="en-US" dirty="0">
+                <a:latin typeface="Consolas" panose="020B0609020204030204" pitchFamily="49" charset="0"/>
+                <a:cs typeface="Consolas" panose="020B0609020204030204" pitchFamily="49" charset="0"/>
+              </a:rPr>
+              <a:t>array</a:t>
+            </a:r>
+            <a:r>
+              <a:rPr lang="en-US" dirty="0">
+                <a:solidFill>
+                  <a:srgbClr val="008000"/>
+                </a:solidFill>
+                <a:latin typeface="Consolas" panose="020B0609020204030204" pitchFamily="49" charset="0"/>
+                <a:cs typeface="Consolas" panose="020B0609020204030204" pitchFamily="49" charset="0"/>
+              </a:rPr>
+              <a:t>[</a:t>
+            </a:r>
+            <a:r>
+              <a:rPr lang="en-US" dirty="0">
+                <a:solidFill>
+                  <a:srgbClr val="0000DD"/>
+                </a:solidFill>
+                <a:latin typeface="Consolas" panose="020B0609020204030204" pitchFamily="49" charset="0"/>
+                <a:cs typeface="Consolas" panose="020B0609020204030204" pitchFamily="49" charset="0"/>
+              </a:rPr>
+              <a:t>10</a:t>
+            </a:r>
+            <a:r>
+              <a:rPr lang="en-US" dirty="0">
+                <a:solidFill>
+                  <a:srgbClr val="008000"/>
+                </a:solidFill>
+                <a:latin typeface="Consolas" panose="020B0609020204030204" pitchFamily="49" charset="0"/>
+                <a:cs typeface="Consolas" panose="020B0609020204030204" pitchFamily="49" charset="0"/>
+              </a:rPr>
+              <a:t>]</a:t>
+            </a:r>
+            <a:r>
+              <a:rPr lang="en-US" dirty="0">
+                <a:latin typeface="Consolas" panose="020B0609020204030204" pitchFamily="49" charset="0"/>
+                <a:cs typeface="Consolas" panose="020B0609020204030204" pitchFamily="49" charset="0"/>
+              </a:rPr>
+              <a:t> </a:t>
+            </a:r>
+            <a:r>
+              <a:rPr lang="en-US" dirty="0">
+                <a:solidFill>
+                  <a:srgbClr val="000080"/>
+                </a:solidFill>
+                <a:latin typeface="Consolas" panose="020B0609020204030204" pitchFamily="49" charset="0"/>
+                <a:cs typeface="Consolas" panose="020B0609020204030204" pitchFamily="49" charset="0"/>
+              </a:rPr>
+              <a:t>=</a:t>
+            </a:r>
+            <a:r>
+              <a:rPr lang="en-US" dirty="0">
+                <a:latin typeface="Consolas" panose="020B0609020204030204" pitchFamily="49" charset="0"/>
+                <a:cs typeface="Consolas" panose="020B0609020204030204" pitchFamily="49" charset="0"/>
+              </a:rPr>
+              <a:t> </a:t>
+            </a:r>
+            <a:r>
+              <a:rPr lang="en-US" dirty="0">
+                <a:solidFill>
+                  <a:srgbClr val="008000"/>
+                </a:solidFill>
+                <a:latin typeface="Consolas" panose="020B0609020204030204" pitchFamily="49" charset="0"/>
+                <a:cs typeface="Consolas" panose="020B0609020204030204" pitchFamily="49" charset="0"/>
+              </a:rPr>
+              <a:t>{</a:t>
+            </a:r>
+            <a:r>
+              <a:rPr lang="en-US" dirty="0">
+                <a:solidFill>
+                  <a:srgbClr val="0000DD"/>
+                </a:solidFill>
+                <a:latin typeface="Consolas" panose="020B0609020204030204" pitchFamily="49" charset="0"/>
+                <a:cs typeface="Consolas" panose="020B0609020204030204" pitchFamily="49" charset="0"/>
+              </a:rPr>
+              <a:t>0</a:t>
+            </a:r>
+            <a:r>
+              <a:rPr lang="en-US" dirty="0" smtClean="0">
+                <a:solidFill>
+                  <a:srgbClr val="008000"/>
+                </a:solidFill>
+                <a:latin typeface="Consolas" panose="020B0609020204030204" pitchFamily="49" charset="0"/>
+                <a:cs typeface="Consolas" panose="020B0609020204030204" pitchFamily="49" charset="0"/>
+              </a:rPr>
+              <a:t>}</a:t>
+            </a:r>
+            <a:r>
+              <a:rPr lang="en-US" dirty="0" smtClean="0">
+                <a:solidFill>
+                  <a:srgbClr val="008080"/>
+                </a:solidFill>
+                <a:latin typeface="Consolas" panose="020B0609020204030204" pitchFamily="49" charset="0"/>
+                <a:cs typeface="Consolas" panose="020B0609020204030204" pitchFamily="49" charset="0"/>
+              </a:rPr>
+              <a:t>;</a:t>
+            </a:r>
+            <a:endParaRPr lang="en-US" dirty="0" smtClean="0">
+              <a:latin typeface="Consolas" panose="020B0609020204030204" pitchFamily="49" charset="0"/>
+              <a:cs typeface="Consolas" panose="020B0609020204030204" pitchFamily="49" charset="0"/>
+            </a:endParaRPr>
+          </a:p>
+          <a:p>
+            <a:r>
+              <a:rPr lang="en-US" dirty="0">
+                <a:solidFill>
+                  <a:srgbClr val="0000FF"/>
+                </a:solidFill>
+                <a:latin typeface="Consolas" panose="020B0609020204030204" pitchFamily="49" charset="0"/>
+                <a:cs typeface="Consolas" panose="020B0609020204030204" pitchFamily="49" charset="0"/>
+              </a:rPr>
+              <a:t> </a:t>
+            </a:r>
+            <a:r>
+              <a:rPr lang="en-US" dirty="0" smtClean="0">
+                <a:solidFill>
+                  <a:srgbClr val="0000FF"/>
+                </a:solidFill>
+                <a:latin typeface="Consolas" panose="020B0609020204030204" pitchFamily="49" charset="0"/>
+                <a:cs typeface="Consolas" panose="020B0609020204030204" pitchFamily="49" charset="0"/>
+              </a:rPr>
+              <a:t>   return</a:t>
+            </a:r>
+            <a:r>
+              <a:rPr lang="en-US" dirty="0" smtClean="0">
+                <a:latin typeface="Consolas" panose="020B0609020204030204" pitchFamily="49" charset="0"/>
+                <a:cs typeface="Consolas" panose="020B0609020204030204" pitchFamily="49" charset="0"/>
+              </a:rPr>
+              <a:t> </a:t>
+            </a:r>
+            <a:r>
+              <a:rPr lang="en-US" dirty="0">
+                <a:latin typeface="Consolas" panose="020B0609020204030204" pitchFamily="49" charset="0"/>
+                <a:cs typeface="Consolas" panose="020B0609020204030204" pitchFamily="49" charset="0"/>
+              </a:rPr>
+              <a:t>array</a:t>
+            </a:r>
+            <a:r>
+              <a:rPr lang="en-US" dirty="0" smtClean="0">
+                <a:solidFill>
+                  <a:srgbClr val="008080"/>
+                </a:solidFill>
+                <a:latin typeface="Consolas" panose="020B0609020204030204" pitchFamily="49" charset="0"/>
+                <a:cs typeface="Consolas" panose="020B0609020204030204" pitchFamily="49" charset="0"/>
+              </a:rPr>
+              <a:t>;</a:t>
+            </a:r>
+          </a:p>
+          <a:p>
+            <a:r>
+              <a:rPr lang="en-US" dirty="0" smtClean="0">
+                <a:solidFill>
+                  <a:srgbClr val="008000"/>
+                </a:solidFill>
+                <a:latin typeface="Consolas" panose="020B0609020204030204" pitchFamily="49" charset="0"/>
+                <a:cs typeface="Consolas" panose="020B0609020204030204" pitchFamily="49" charset="0"/>
+              </a:rPr>
+              <a:t>}</a:t>
+            </a:r>
+            <a:endParaRPr lang="en-US" dirty="0">
+              <a:latin typeface="Consolas" panose="020B0609020204030204" pitchFamily="49" charset="0"/>
+              <a:cs typeface="Consolas" panose="020B0609020204030204" pitchFamily="49" charset="0"/>
+            </a:endParaRPr>
+          </a:p>
+          <a:p>
             <a:endParaRPr lang="en-US" dirty="0" smtClean="0">
               <a:solidFill>
-                <a:schemeClr val="bg1">
-                  <a:lumMod val="50000"/>
-                </a:schemeClr>
+                <a:srgbClr val="0000FF"/>
               </a:solidFill>
               <a:latin typeface="Consolas" panose="020B0609020204030204" pitchFamily="49" charset="0"/>
               <a:cs typeface="Consolas" panose="020B0609020204030204" pitchFamily="49" charset="0"/>
@@ -16625,207 +17444,27 @@
             </a:r>
             <a:r>
               <a:rPr lang="en-US" dirty="0" smtClean="0">
-                <a:solidFill>
-                  <a:srgbClr val="0000FF"/>
-                </a:solidFill>
-                <a:latin typeface="Consolas" panose="020B0609020204030204" pitchFamily="49" charset="0"/>
-                <a:cs typeface="Consolas" panose="020B0609020204030204" pitchFamily="49" charset="0"/>
-              </a:rPr>
-              <a:t>*</a:t>
+                <a:latin typeface="Consolas" panose="020B0609020204030204" pitchFamily="49" charset="0"/>
+                <a:cs typeface="Consolas" panose="020B0609020204030204" pitchFamily="49" charset="0"/>
+              </a:rPr>
+              <a:t> </a:t>
+            </a:r>
+            <a:r>
+              <a:rPr lang="en-US" dirty="0">
+                <a:latin typeface="Consolas" panose="020B0609020204030204" pitchFamily="49" charset="0"/>
+                <a:cs typeface="Consolas" panose="020B0609020204030204" pitchFamily="49" charset="0"/>
+              </a:rPr>
+              <a:t>main</a:t>
             </a:r>
             <a:r>
               <a:rPr lang="en-US" dirty="0" smtClean="0">
-                <a:latin typeface="Consolas" panose="020B0609020204030204" pitchFamily="49" charset="0"/>
-                <a:cs typeface="Consolas" panose="020B0609020204030204" pitchFamily="49" charset="0"/>
-              </a:rPr>
-              <a:t> fun1</a:t>
-            </a:r>
-            <a:r>
-              <a:rPr lang="en-US" dirty="0" smtClean="0">
                 <a:solidFill>
                   <a:srgbClr val="008000"/>
                 </a:solidFill>
                 <a:latin typeface="Consolas" panose="020B0609020204030204" pitchFamily="49" charset="0"/>
                 <a:cs typeface="Consolas" panose="020B0609020204030204" pitchFamily="49" charset="0"/>
               </a:rPr>
-              <a:t>(</a:t>
-            </a:r>
-            <a:r>
-              <a:rPr lang="en-US" dirty="0" err="1" smtClean="0">
-                <a:solidFill>
-                  <a:srgbClr val="0000FF"/>
-                </a:solidFill>
-                <a:latin typeface="Consolas" panose="020B0609020204030204" pitchFamily="49" charset="0"/>
-                <a:cs typeface="Consolas" panose="020B0609020204030204" pitchFamily="49" charset="0"/>
-              </a:rPr>
-              <a:t>int</a:t>
-            </a:r>
-            <a:r>
-              <a:rPr lang="en-US" dirty="0" smtClean="0">
-                <a:latin typeface="Consolas" panose="020B0609020204030204" pitchFamily="49" charset="0"/>
-                <a:cs typeface="Consolas" panose="020B0609020204030204" pitchFamily="49" charset="0"/>
-              </a:rPr>
-              <a:t> </a:t>
-            </a:r>
-            <a:r>
-              <a:rPr lang="en-US" dirty="0">
-                <a:latin typeface="Consolas" panose="020B0609020204030204" pitchFamily="49" charset="0"/>
-                <a:cs typeface="Consolas" panose="020B0609020204030204" pitchFamily="49" charset="0"/>
-              </a:rPr>
-              <a:t>size</a:t>
-            </a:r>
-            <a:r>
-              <a:rPr lang="en-US" dirty="0">
-                <a:solidFill>
-                  <a:srgbClr val="008000"/>
-                </a:solidFill>
-                <a:latin typeface="Consolas" panose="020B0609020204030204" pitchFamily="49" charset="0"/>
-                <a:cs typeface="Consolas" panose="020B0609020204030204" pitchFamily="49" charset="0"/>
-              </a:rPr>
-              <a:t>){</a:t>
-            </a:r>
-          </a:p>
-          <a:p>
-            <a:r>
-              <a:rPr lang="en-US" dirty="0">
-                <a:solidFill>
-                  <a:srgbClr val="008000"/>
-                </a:solidFill>
-                <a:latin typeface="Consolas" panose="020B0609020204030204" pitchFamily="49" charset="0"/>
-                <a:cs typeface="Consolas" panose="020B0609020204030204" pitchFamily="49" charset="0"/>
-              </a:rPr>
-              <a:t>    </a:t>
-            </a:r>
-            <a:r>
-              <a:rPr lang="en-US" dirty="0" err="1">
-                <a:solidFill>
-                  <a:srgbClr val="0000FF"/>
-                </a:solidFill>
-                <a:latin typeface="Consolas" panose="020B0609020204030204" pitchFamily="49" charset="0"/>
-                <a:cs typeface="Consolas" panose="020B0609020204030204" pitchFamily="49" charset="0"/>
-              </a:rPr>
-              <a:t>int</a:t>
-            </a:r>
-            <a:r>
-              <a:rPr lang="en-US" dirty="0">
-                <a:latin typeface="Consolas" panose="020B0609020204030204" pitchFamily="49" charset="0"/>
-                <a:cs typeface="Consolas" panose="020B0609020204030204" pitchFamily="49" charset="0"/>
-              </a:rPr>
-              <a:t> </a:t>
-            </a:r>
-            <a:r>
-              <a:rPr lang="en-US" dirty="0" smtClean="0">
-                <a:latin typeface="Consolas" panose="020B0609020204030204" pitchFamily="49" charset="0"/>
-                <a:cs typeface="Consolas" panose="020B0609020204030204" pitchFamily="49" charset="0"/>
-              </a:rPr>
-              <a:t>array</a:t>
-            </a:r>
-            <a:r>
-              <a:rPr lang="en-US" dirty="0">
-                <a:solidFill>
-                  <a:srgbClr val="008000"/>
-                </a:solidFill>
-                <a:latin typeface="Consolas" panose="020B0609020204030204" pitchFamily="49" charset="0"/>
-                <a:cs typeface="Consolas" panose="020B0609020204030204" pitchFamily="49" charset="0"/>
-              </a:rPr>
-              <a:t>[</a:t>
-            </a:r>
-            <a:r>
-              <a:rPr lang="en-US" dirty="0" smtClean="0">
-                <a:latin typeface="Consolas" panose="020B0609020204030204" pitchFamily="49" charset="0"/>
-                <a:cs typeface="Consolas" panose="020B0609020204030204" pitchFamily="49" charset="0"/>
-              </a:rPr>
-              <a:t>size</a:t>
-            </a:r>
-            <a:r>
-              <a:rPr lang="en-US" dirty="0">
-                <a:solidFill>
-                  <a:srgbClr val="008000"/>
-                </a:solidFill>
-                <a:latin typeface="Consolas" panose="020B0609020204030204" pitchFamily="49" charset="0"/>
-                <a:cs typeface="Consolas" panose="020B0609020204030204" pitchFamily="49" charset="0"/>
-              </a:rPr>
-              <a:t>]</a:t>
-            </a:r>
-            <a:r>
-              <a:rPr lang="en-US" dirty="0" smtClean="0">
-                <a:latin typeface="Consolas" panose="020B0609020204030204" pitchFamily="49" charset="0"/>
-                <a:cs typeface="Consolas" panose="020B0609020204030204" pitchFamily="49" charset="0"/>
-              </a:rPr>
-              <a:t> = </a:t>
-            </a:r>
-            <a:r>
-              <a:rPr lang="en-US" dirty="0">
-                <a:solidFill>
-                  <a:srgbClr val="008000"/>
-                </a:solidFill>
-                <a:latin typeface="Consolas" panose="020B0609020204030204" pitchFamily="49" charset="0"/>
-                <a:cs typeface="Consolas" panose="020B0609020204030204" pitchFamily="49" charset="0"/>
-              </a:rPr>
-              <a:t>{</a:t>
-            </a:r>
-            <a:r>
-              <a:rPr lang="en-US" dirty="0">
-                <a:solidFill>
-                  <a:srgbClr val="0000FF"/>
-                </a:solidFill>
-                <a:latin typeface="Consolas" panose="020B0609020204030204" pitchFamily="49" charset="0"/>
-                <a:cs typeface="Consolas" panose="020B0609020204030204" pitchFamily="49" charset="0"/>
-              </a:rPr>
-              <a:t>0</a:t>
-            </a:r>
-            <a:r>
-              <a:rPr lang="en-US" dirty="0">
-                <a:solidFill>
-                  <a:srgbClr val="008000"/>
-                </a:solidFill>
-                <a:latin typeface="Consolas" panose="020B0609020204030204" pitchFamily="49" charset="0"/>
-                <a:cs typeface="Consolas" panose="020B0609020204030204" pitchFamily="49" charset="0"/>
-              </a:rPr>
-              <a:t>}</a:t>
-            </a:r>
-            <a:r>
-              <a:rPr lang="en-US" dirty="0" smtClean="0">
-                <a:solidFill>
-                  <a:srgbClr val="008080"/>
-                </a:solidFill>
-                <a:latin typeface="Consolas" panose="020B0609020204030204" pitchFamily="49" charset="0"/>
-                <a:cs typeface="Consolas" panose="020B0609020204030204" pitchFamily="49" charset="0"/>
-              </a:rPr>
-              <a:t>;</a:t>
-            </a:r>
-            <a:endParaRPr lang="en-US" dirty="0">
-              <a:latin typeface="Consolas" panose="020B0609020204030204" pitchFamily="49" charset="0"/>
-              <a:cs typeface="Consolas" panose="020B0609020204030204" pitchFamily="49" charset="0"/>
-            </a:endParaRPr>
-          </a:p>
-          <a:p>
-            <a:r>
-              <a:rPr lang="en-US" dirty="0" smtClean="0">
-                <a:solidFill>
-                  <a:srgbClr val="0000FF"/>
-                </a:solidFill>
-                <a:latin typeface="Consolas" panose="020B0609020204030204" pitchFamily="49" charset="0"/>
-                <a:cs typeface="Consolas" panose="020B0609020204030204" pitchFamily="49" charset="0"/>
-              </a:rPr>
-              <a:t>    return</a:t>
-            </a:r>
-            <a:r>
-              <a:rPr lang="en-US" dirty="0" smtClean="0">
-                <a:latin typeface="Consolas" panose="020B0609020204030204" pitchFamily="49" charset="0"/>
-                <a:cs typeface="Consolas" panose="020B0609020204030204" pitchFamily="49" charset="0"/>
-              </a:rPr>
-              <a:t> array</a:t>
-            </a:r>
-            <a:r>
-              <a:rPr lang="en-US" dirty="0" smtClean="0">
-                <a:solidFill>
-                  <a:srgbClr val="008080"/>
-                </a:solidFill>
-                <a:latin typeface="Consolas" panose="020B0609020204030204" pitchFamily="49" charset="0"/>
-                <a:cs typeface="Consolas" panose="020B0609020204030204" pitchFamily="49" charset="0"/>
-              </a:rPr>
-              <a:t>;</a:t>
+              <a:t>(){</a:t>
             </a:r>
             <a:endParaRPr lang="en-US" dirty="0" smtClean="0">
               <a:latin typeface="Consolas" panose="020B0609020204030204" pitchFamily="49" charset="0"/>
@@ -16834,18 +17473,110 @@
           </a:p>
           <a:p>
             <a:r>
+              <a:rPr lang="en-US" dirty="0">
+                <a:solidFill>
+                  <a:srgbClr val="0000FF"/>
+                </a:solidFill>
+                <a:latin typeface="Consolas" panose="020B0609020204030204" pitchFamily="49" charset="0"/>
+                <a:cs typeface="Consolas" panose="020B0609020204030204" pitchFamily="49" charset="0"/>
+              </a:rPr>
+              <a:t> </a:t>
+            </a:r>
+            <a:r>
               <a:rPr lang="en-US" dirty="0" smtClean="0">
-                <a:latin typeface="Consolas" panose="020B0609020204030204" pitchFamily="49" charset="0"/>
-                <a:cs typeface="Consolas" panose="020B0609020204030204" pitchFamily="49" charset="0"/>
-              </a:rPr>
-              <a:t>}</a:t>
-            </a:r>
-            <a:endParaRPr lang="ru-RU" dirty="0" smtClean="0">
-              <a:latin typeface="Consolas" panose="020B0609020204030204" pitchFamily="49" charset="0"/>
-              <a:cs typeface="Consolas" panose="020B0609020204030204" pitchFamily="49" charset="0"/>
-            </a:endParaRPr>
-          </a:p>
-          <a:p>
+                <a:solidFill>
+                  <a:srgbClr val="0000FF"/>
+                </a:solidFill>
+                <a:latin typeface="Consolas" panose="020B0609020204030204" pitchFamily="49" charset="0"/>
+                <a:cs typeface="Consolas" panose="020B0609020204030204" pitchFamily="49" charset="0"/>
+              </a:rPr>
+              <a:t>   </a:t>
+            </a:r>
+            <a:r>
+              <a:rPr lang="en-US" dirty="0" err="1" smtClean="0">
+                <a:solidFill>
+                  <a:srgbClr val="0000FF"/>
+                </a:solidFill>
+                <a:latin typeface="Consolas" panose="020B0609020204030204" pitchFamily="49" charset="0"/>
+                <a:cs typeface="Consolas" panose="020B0609020204030204" pitchFamily="49" charset="0"/>
+              </a:rPr>
+              <a:t>int</a:t>
+            </a:r>
+            <a:r>
+              <a:rPr lang="en-US" dirty="0">
+                <a:solidFill>
+                  <a:srgbClr val="000040"/>
+                </a:solidFill>
+                <a:latin typeface="Consolas" panose="020B0609020204030204" pitchFamily="49" charset="0"/>
+                <a:cs typeface="Consolas" panose="020B0609020204030204" pitchFamily="49" charset="0"/>
+              </a:rPr>
+              <a:t>*</a:t>
+            </a:r>
+            <a:r>
+              <a:rPr lang="en-US" dirty="0">
+                <a:latin typeface="Consolas" panose="020B0609020204030204" pitchFamily="49" charset="0"/>
+                <a:cs typeface="Consolas" panose="020B0609020204030204" pitchFamily="49" charset="0"/>
+              </a:rPr>
+              <a:t> </a:t>
+            </a:r>
+            <a:r>
+              <a:rPr lang="en-US" dirty="0" err="1">
+                <a:latin typeface="Consolas" panose="020B0609020204030204" pitchFamily="49" charset="0"/>
+                <a:cs typeface="Consolas" panose="020B0609020204030204" pitchFamily="49" charset="0"/>
+              </a:rPr>
+              <a:t>arr</a:t>
+            </a:r>
+            <a:r>
+              <a:rPr lang="en-US" dirty="0">
+                <a:latin typeface="Consolas" panose="020B0609020204030204" pitchFamily="49" charset="0"/>
+                <a:cs typeface="Consolas" panose="020B0609020204030204" pitchFamily="49" charset="0"/>
+              </a:rPr>
+              <a:t> </a:t>
+            </a:r>
+            <a:r>
+              <a:rPr lang="en-US" dirty="0">
+                <a:solidFill>
+                  <a:srgbClr val="000080"/>
+                </a:solidFill>
+                <a:latin typeface="Consolas" panose="020B0609020204030204" pitchFamily="49" charset="0"/>
+                <a:cs typeface="Consolas" panose="020B0609020204030204" pitchFamily="49" charset="0"/>
+              </a:rPr>
+              <a:t>=</a:t>
+            </a:r>
+            <a:r>
+              <a:rPr lang="en-US" dirty="0">
+                <a:latin typeface="Consolas" panose="020B0609020204030204" pitchFamily="49" charset="0"/>
+                <a:cs typeface="Consolas" panose="020B0609020204030204" pitchFamily="49" charset="0"/>
+              </a:rPr>
+              <a:t> </a:t>
+            </a:r>
+            <a:r>
+              <a:rPr lang="en-US" dirty="0" err="1">
+                <a:latin typeface="Consolas" panose="020B0609020204030204" pitchFamily="49" charset="0"/>
+                <a:cs typeface="Consolas" panose="020B0609020204030204" pitchFamily="49" charset="0"/>
+              </a:rPr>
+              <a:t>fill_zerro</a:t>
+            </a:r>
+            <a:r>
+              <a:rPr lang="en-US" dirty="0" smtClean="0">
+                <a:solidFill>
+                  <a:srgbClr val="008000"/>
+                </a:solidFill>
+                <a:latin typeface="Consolas" panose="020B0609020204030204" pitchFamily="49" charset="0"/>
+                <a:cs typeface="Consolas" panose="020B0609020204030204" pitchFamily="49" charset="0"/>
+              </a:rPr>
+              <a:t>()</a:t>
+            </a:r>
+            <a:r>
+              <a:rPr lang="en-US" dirty="0" smtClean="0">
+                <a:solidFill>
+                  <a:srgbClr val="008080"/>
+                </a:solidFill>
+                <a:latin typeface="Consolas" panose="020B0609020204030204" pitchFamily="49" charset="0"/>
+                <a:cs typeface="Consolas" panose="020B0609020204030204" pitchFamily="49" charset="0"/>
+              </a:rPr>
+              <a:t>;</a:t>
+            </a:r>
             <a:endParaRPr lang="en-US" dirty="0" smtClean="0">
               <a:latin typeface="Consolas" panose="020B0609020204030204" pitchFamily="49" charset="0"/>
               <a:cs typeface="Consolas" panose="020B0609020204030204" pitchFamily="49" charset="0"/>
@@ -16853,175 +17584,44 @@
           </a:p>
           <a:p>
             <a:r>
-              <a:rPr lang="ru-RU" dirty="0" smtClean="0">
-                <a:solidFill>
-                  <a:schemeClr val="bg1">
-                    <a:lumMod val="50000"/>
-                  </a:schemeClr>
-                </a:solidFill>
-                <a:latin typeface="Consolas" panose="020B0609020204030204" pitchFamily="49" charset="0"/>
-                <a:cs typeface="Consolas" panose="020B0609020204030204" pitchFamily="49" charset="0"/>
-              </a:rPr>
-              <a:t>// А так можно</a:t>
-            </a:r>
-          </a:p>
-          <a:p>
-            <a:r>
-              <a:rPr lang="en-US" dirty="0" err="1">
+              <a:rPr lang="en-US" dirty="0">
                 <a:solidFill>
                   <a:srgbClr val="0000FF"/>
                 </a:solidFill>
                 <a:latin typeface="Consolas" panose="020B0609020204030204" pitchFamily="49" charset="0"/>
                 <a:cs typeface="Consolas" panose="020B0609020204030204" pitchFamily="49" charset="0"/>
               </a:rPr>
-              <a:t>int</a:t>
+              <a:t> </a:t>
+            </a:r>
+            <a:r>
+              <a:rPr lang="en-US" dirty="0" smtClean="0">
+                <a:solidFill>
+                  <a:srgbClr val="0000FF"/>
+                </a:solidFill>
+                <a:latin typeface="Consolas" panose="020B0609020204030204" pitchFamily="49" charset="0"/>
+                <a:cs typeface="Consolas" panose="020B0609020204030204" pitchFamily="49" charset="0"/>
+              </a:rPr>
+              <a:t>   return</a:t>
+            </a:r>
+            <a:r>
+              <a:rPr lang="en-US" dirty="0" smtClean="0">
+                <a:latin typeface="Consolas" panose="020B0609020204030204" pitchFamily="49" charset="0"/>
+                <a:cs typeface="Consolas" panose="020B0609020204030204" pitchFamily="49" charset="0"/>
+              </a:rPr>
+              <a:t> </a:t>
             </a:r>
             <a:r>
               <a:rPr lang="en-US" dirty="0">
                 <a:solidFill>
-                  <a:srgbClr val="0000FF"/>
-                </a:solidFill>
-                <a:latin typeface="Consolas" panose="020B0609020204030204" pitchFamily="49" charset="0"/>
-                <a:cs typeface="Consolas" panose="020B0609020204030204" pitchFamily="49" charset="0"/>
-              </a:rPr>
-              <a:t>*</a:t>
-            </a:r>
-            <a:r>
-              <a:rPr lang="en-US" dirty="0">
-                <a:latin typeface="Consolas" panose="020B0609020204030204" pitchFamily="49" charset="0"/>
-                <a:cs typeface="Consolas" panose="020B0609020204030204" pitchFamily="49" charset="0"/>
-              </a:rPr>
-              <a:t> fun1</a:t>
-            </a:r>
-            <a:r>
-              <a:rPr lang="en-US" dirty="0">
-                <a:solidFill>
-                  <a:srgbClr val="008000"/>
-                </a:solidFill>
-                <a:latin typeface="Consolas" panose="020B0609020204030204" pitchFamily="49" charset="0"/>
-                <a:cs typeface="Consolas" panose="020B0609020204030204" pitchFamily="49" charset="0"/>
-              </a:rPr>
-              <a:t>(</a:t>
-            </a:r>
-            <a:r>
-              <a:rPr lang="en-US" dirty="0" err="1">
-                <a:solidFill>
-                  <a:srgbClr val="0000FF"/>
-                </a:solidFill>
-                <a:latin typeface="Consolas" panose="020B0609020204030204" pitchFamily="49" charset="0"/>
-                <a:cs typeface="Consolas" panose="020B0609020204030204" pitchFamily="49" charset="0"/>
-              </a:rPr>
-              <a:t>int</a:t>
-            </a:r>
-            <a:r>
-              <a:rPr lang="en-US" dirty="0">
-                <a:latin typeface="Consolas" panose="020B0609020204030204" pitchFamily="49" charset="0"/>
-                <a:cs typeface="Consolas" panose="020B0609020204030204" pitchFamily="49" charset="0"/>
-              </a:rPr>
-              <a:t> size</a:t>
-            </a:r>
-            <a:r>
-              <a:rPr lang="en-US" dirty="0">
-                <a:solidFill>
-                  <a:srgbClr val="008000"/>
-                </a:solidFill>
-                <a:latin typeface="Consolas" panose="020B0609020204030204" pitchFamily="49" charset="0"/>
-                <a:cs typeface="Consolas" panose="020B0609020204030204" pitchFamily="49" charset="0"/>
-              </a:rPr>
-              <a:t>){</a:t>
-            </a:r>
-          </a:p>
-          <a:p>
-            <a:r>
-              <a:rPr lang="en-US" dirty="0">
-                <a:solidFill>
-                  <a:srgbClr val="008000"/>
-                </a:solidFill>
-                <a:latin typeface="Consolas" panose="020B0609020204030204" pitchFamily="49" charset="0"/>
-                <a:cs typeface="Consolas" panose="020B0609020204030204" pitchFamily="49" charset="0"/>
-              </a:rPr>
-              <a:t>    </a:t>
-            </a:r>
-            <a:r>
-              <a:rPr lang="en-US" dirty="0" err="1">
-                <a:solidFill>
-                  <a:srgbClr val="0000FF"/>
-                </a:solidFill>
-                <a:latin typeface="Consolas" panose="020B0609020204030204" pitchFamily="49" charset="0"/>
-                <a:cs typeface="Consolas" panose="020B0609020204030204" pitchFamily="49" charset="0"/>
-              </a:rPr>
-              <a:t>int</a:t>
-            </a:r>
-            <a:r>
-              <a:rPr lang="en-US" dirty="0">
-                <a:latin typeface="Consolas" panose="020B0609020204030204" pitchFamily="49" charset="0"/>
-                <a:cs typeface="Consolas" panose="020B0609020204030204" pitchFamily="49" charset="0"/>
-              </a:rPr>
-              <a:t> </a:t>
+                  <a:srgbClr val="0000DD"/>
+                </a:solidFill>
+                <a:latin typeface="Consolas" panose="020B0609020204030204" pitchFamily="49" charset="0"/>
+                <a:cs typeface="Consolas" panose="020B0609020204030204" pitchFamily="49" charset="0"/>
+              </a:rPr>
+              <a:t>0</a:t>
             </a:r>
             <a:r>
               <a:rPr lang="en-US" dirty="0" smtClean="0">
-                <a:latin typeface="Consolas" panose="020B0609020204030204" pitchFamily="49" charset="0"/>
-                <a:cs typeface="Consolas" panose="020B0609020204030204" pitchFamily="49" charset="0"/>
-              </a:rPr>
-              <a:t>*array </a:t>
-            </a:r>
-            <a:r>
-              <a:rPr lang="en-US" dirty="0">
-                <a:latin typeface="Consolas" panose="020B0609020204030204" pitchFamily="49" charset="0"/>
-                <a:cs typeface="Consolas" panose="020B0609020204030204" pitchFamily="49" charset="0"/>
-              </a:rPr>
-              <a:t>= </a:t>
-            </a:r>
-            <a:r>
-              <a:rPr lang="en-US" dirty="0" smtClean="0">
-                <a:solidFill>
-                  <a:srgbClr val="0000FF"/>
-                </a:solidFill>
-                <a:latin typeface="Consolas" panose="020B0609020204030204" pitchFamily="49" charset="0"/>
-                <a:cs typeface="Consolas" panose="020B0609020204030204" pitchFamily="49" charset="0"/>
-              </a:rPr>
-              <a:t>new </a:t>
-            </a:r>
-            <a:r>
-              <a:rPr lang="en-US" dirty="0" err="1" smtClean="0">
-                <a:solidFill>
-                  <a:srgbClr val="0000FF"/>
-                </a:solidFill>
-                <a:latin typeface="Consolas" panose="020B0609020204030204" pitchFamily="49" charset="0"/>
-                <a:cs typeface="Consolas" panose="020B0609020204030204" pitchFamily="49" charset="0"/>
-              </a:rPr>
-              <a:t>int</a:t>
-            </a:r>
-            <a:r>
-              <a:rPr lang="en-US" dirty="0">
-                <a:solidFill>
-                  <a:srgbClr val="008000"/>
-                </a:solidFill>
-                <a:latin typeface="Consolas" panose="020B0609020204030204" pitchFamily="49" charset="0"/>
-                <a:cs typeface="Consolas" panose="020B0609020204030204" pitchFamily="49" charset="0"/>
-              </a:rPr>
-              <a:t>[</a:t>
-            </a:r>
-            <a:r>
-              <a:rPr lang="en-US" dirty="0" smtClean="0">
-                <a:latin typeface="Consolas" panose="020B0609020204030204" pitchFamily="49" charset="0"/>
-                <a:cs typeface="Consolas" panose="020B0609020204030204" pitchFamily="49" charset="0"/>
-              </a:rPr>
-              <a:t>size</a:t>
-            </a:r>
-            <a:r>
-              <a:rPr lang="en-US" dirty="0">
-                <a:solidFill>
-                  <a:srgbClr val="008000"/>
-                </a:solidFill>
-                <a:latin typeface="Consolas" panose="020B0609020204030204" pitchFamily="49" charset="0"/>
-                <a:cs typeface="Consolas" panose="020B0609020204030204" pitchFamily="49" charset="0"/>
-              </a:rPr>
-              <a:t>]</a:t>
-            </a:r>
-            <a:r>
-              <a:rPr lang="en-US" dirty="0" smtClean="0">
                 <a:solidFill>
                   <a:srgbClr val="008080"/>
                 </a:solidFill>
@@ -17030,54 +17630,22 @@
               </a:rPr>
               <a:t>;</a:t>
             </a:r>
-            <a:endParaRPr lang="en-US" dirty="0">
+            <a:endParaRPr lang="en-US" dirty="0" smtClean="0">
               <a:latin typeface="Consolas" panose="020B0609020204030204" pitchFamily="49" charset="0"/>
               <a:cs typeface="Consolas" panose="020B0609020204030204" pitchFamily="49" charset="0"/>
             </a:endParaRPr>
           </a:p>
           <a:p>
             <a:r>
-              <a:rPr lang="en-US" dirty="0">
-                <a:solidFill>
-                  <a:srgbClr val="0000FF"/>
-                </a:solidFill>
-                <a:latin typeface="Consolas" panose="020B0609020204030204" pitchFamily="49" charset="0"/>
-                <a:cs typeface="Consolas" panose="020B0609020204030204" pitchFamily="49" charset="0"/>
-              </a:rPr>
-              <a:t>    return</a:t>
-            </a:r>
-            <a:r>
-              <a:rPr lang="en-US" dirty="0">
-                <a:latin typeface="Consolas" panose="020B0609020204030204" pitchFamily="49" charset="0"/>
-                <a:cs typeface="Consolas" panose="020B0609020204030204" pitchFamily="49" charset="0"/>
-              </a:rPr>
-              <a:t> array</a:t>
-            </a:r>
-            <a:r>
-              <a:rPr lang="en-US" dirty="0">
-                <a:solidFill>
-                  <a:srgbClr val="008080"/>
-                </a:solidFill>
-                <a:latin typeface="Consolas" panose="020B0609020204030204" pitchFamily="49" charset="0"/>
-                <a:cs typeface="Consolas" panose="020B0609020204030204" pitchFamily="49" charset="0"/>
-              </a:rPr>
-              <a:t>;</a:t>
-            </a:r>
-            <a:endParaRPr lang="en-US" dirty="0">
-              <a:latin typeface="Consolas" panose="020B0609020204030204" pitchFamily="49" charset="0"/>
-              <a:cs typeface="Consolas" panose="020B0609020204030204" pitchFamily="49" charset="0"/>
-            </a:endParaRPr>
-          </a:p>
-          <a:p>
-            <a:r>
-              <a:rPr lang="en-US" dirty="0">
+              <a:rPr lang="en-US" dirty="0" smtClean="0">
+                <a:solidFill>
+                  <a:srgbClr val="008000"/>
+                </a:solidFill>
                 <a:latin typeface="Consolas" panose="020B0609020204030204" pitchFamily="49" charset="0"/>
                 <a:cs typeface="Consolas" panose="020B0609020204030204" pitchFamily="49" charset="0"/>
               </a:rPr>
               <a:t>}</a:t>
             </a:r>
-          </a:p>
-          <a:p>
             <a:endParaRPr lang="en-US" dirty="0" smtClean="0">
               <a:latin typeface="Consolas" panose="020B0609020204030204" pitchFamily="49" charset="0"/>
               <a:cs typeface="Consolas" panose="020B0609020204030204" pitchFamily="49" charset="0"/>
@@ -17089,6 +17657,728 @@
     <p:extLst>
       <p:ext uri="{BB962C8B-B14F-4D97-AF65-F5344CB8AC3E}">
         <p14:creationId xmlns:p14="http://schemas.microsoft.com/office/powerpoint/2010/main" val="1423803560"/>
+      </p:ext>
+    </p:extLst>
+  </p:cSld>
+  <p:clrMapOvr>
+    <a:masterClrMapping/>
+  </p:clrMapOvr>
+  <p:timing>
+    <p:tnLst>
+      <p:par>
+        <p:cTn id="1" dur="indefinite" restart="never" nodeType="tmRoot"/>
+      </p:par>
+    </p:tnLst>
+  </p:timing>
+</p:sld>
+</file>
+
+<file path=ppt/slides/slide24.xml><?xml version="1.0" encoding="utf-8"?>
+<p:sld xmlns:a="http://schemas.openxmlformats.org/drawingml/2006/main" xmlns:r="http://schemas.openxmlformats.org/officeDocument/2006/relationships" xmlns:p="http://schemas.openxmlformats.org/presentationml/2006/main">
+  <p:cSld>
+    <p:spTree>
+      <p:nvGrpSpPr>
+        <p:cNvPr id="1" name=""/>
+        <p:cNvGrpSpPr/>
+        <p:nvPr/>
+      </p:nvGrpSpPr>
+      <p:grpSpPr>
+        <a:xfrm>
+          <a:off x="0" y="0"/>
+          <a:ext cx="0" cy="0"/>
+          <a:chOff x="0" y="0"/>
+          <a:chExt cx="0" cy="0"/>
+        </a:xfrm>
+      </p:grpSpPr>
+      <p:sp>
+        <p:nvSpPr>
+          <p:cNvPr id="2" name="Заголовок 1"/>
+          <p:cNvSpPr>
+            <a:spLocks noGrp="1"/>
+          </p:cNvSpPr>
+          <p:nvPr>
+            <p:ph type="title"/>
+          </p:nvPr>
+        </p:nvSpPr>
+        <p:spPr/>
+        <p:txBody>
+          <a:bodyPr/>
+          <a:lstStyle/>
+          <a:p>
+            <a:r>
+              <a:rPr lang="ru-RU" dirty="0" smtClean="0"/>
+              <a:t>Возвращение одномерного массива из функций</a:t>
+            </a:r>
+            <a:endParaRPr lang="ru-RU" dirty="0"/>
+          </a:p>
+        </p:txBody>
+      </p:sp>
+      <p:sp>
+        <p:nvSpPr>
+          <p:cNvPr id="3" name="Объект 2"/>
+          <p:cNvSpPr>
+            <a:spLocks noGrp="1"/>
+          </p:cNvSpPr>
+          <p:nvPr>
+            <p:ph idx="1"/>
+          </p:nvPr>
+        </p:nvSpPr>
+        <p:spPr>
+          <a:xfrm>
+            <a:off x="1187623" y="1600200"/>
+            <a:ext cx="7839872" cy="4525963"/>
+          </a:xfrm>
+        </p:spPr>
+        <p:txBody>
+          <a:bodyPr>
+            <a:normAutofit lnSpcReduction="10000"/>
+          </a:bodyPr>
+          <a:lstStyle/>
+          <a:p>
+            <a:r>
+              <a:rPr lang="ru-RU" dirty="0">
+                <a:solidFill>
+                  <a:srgbClr val="666666"/>
+                </a:solidFill>
+                <a:latin typeface="Consolas" panose="020B0609020204030204" pitchFamily="49" charset="0"/>
+                <a:cs typeface="Consolas" panose="020B0609020204030204" pitchFamily="49" charset="0"/>
+              </a:rPr>
+              <a:t>// </a:t>
+            </a:r>
+            <a:r>
+              <a:rPr lang="ru-RU" dirty="0" smtClean="0">
+                <a:solidFill>
+                  <a:srgbClr val="666666"/>
+                </a:solidFill>
+                <a:latin typeface="Consolas" panose="020B0609020204030204" pitchFamily="49" charset="0"/>
+                <a:cs typeface="Consolas" panose="020B0609020204030204" pitchFamily="49" charset="0"/>
+              </a:rPr>
+              <a:t>Массив </a:t>
+            </a:r>
+            <a:r>
+              <a:rPr lang="en-US" b="1" dirty="0" smtClean="0">
+                <a:solidFill>
+                  <a:srgbClr val="666666"/>
+                </a:solidFill>
+                <a:latin typeface="Consolas" panose="020B0609020204030204" pitchFamily="49" charset="0"/>
+                <a:cs typeface="Consolas" panose="020B0609020204030204" pitchFamily="49" charset="0"/>
+              </a:rPr>
+              <a:t>array </a:t>
+            </a:r>
+            <a:r>
+              <a:rPr lang="ru-RU" dirty="0" smtClean="0">
+                <a:solidFill>
+                  <a:srgbClr val="666666"/>
+                </a:solidFill>
+                <a:latin typeface="Consolas" panose="020B0609020204030204" pitchFamily="49" charset="0"/>
+                <a:cs typeface="Consolas" panose="020B0609020204030204" pitchFamily="49" charset="0"/>
+              </a:rPr>
+              <a:t>существует независимо от функции </a:t>
+            </a:r>
+            <a:r>
+              <a:rPr lang="en-US" b="1" dirty="0" err="1">
+                <a:solidFill>
+                  <a:srgbClr val="666666"/>
+                </a:solidFill>
+                <a:latin typeface="Consolas" panose="020B0609020204030204" pitchFamily="49" charset="0"/>
+                <a:cs typeface="Consolas" panose="020B0609020204030204" pitchFamily="49" charset="0"/>
+              </a:rPr>
+              <a:t>fill_zerro</a:t>
+            </a:r>
+            <a:endParaRPr lang="en-US" b="1" dirty="0">
+              <a:solidFill>
+                <a:srgbClr val="666666"/>
+              </a:solidFill>
+              <a:latin typeface="Consolas" panose="020B0609020204030204" pitchFamily="49" charset="0"/>
+              <a:cs typeface="Consolas" panose="020B0609020204030204" pitchFamily="49" charset="0"/>
+            </a:endParaRPr>
+          </a:p>
+          <a:p>
+            <a:r>
+              <a:rPr lang="en-US" dirty="0" err="1" smtClean="0">
+                <a:solidFill>
+                  <a:srgbClr val="0000FF"/>
+                </a:solidFill>
+                <a:latin typeface="Consolas" panose="020B0609020204030204" pitchFamily="49" charset="0"/>
+                <a:cs typeface="Consolas" panose="020B0609020204030204" pitchFamily="49" charset="0"/>
+              </a:rPr>
+              <a:t>int</a:t>
+            </a:r>
+            <a:r>
+              <a:rPr lang="en-US" dirty="0">
+                <a:solidFill>
+                  <a:srgbClr val="000040"/>
+                </a:solidFill>
+                <a:latin typeface="Consolas" panose="020B0609020204030204" pitchFamily="49" charset="0"/>
+                <a:cs typeface="Consolas" panose="020B0609020204030204" pitchFamily="49" charset="0"/>
+              </a:rPr>
+              <a:t>*</a:t>
+            </a:r>
+            <a:r>
+              <a:rPr lang="en-US" dirty="0">
+                <a:latin typeface="Consolas" panose="020B0609020204030204" pitchFamily="49" charset="0"/>
+                <a:cs typeface="Consolas" panose="020B0609020204030204" pitchFamily="49" charset="0"/>
+              </a:rPr>
+              <a:t> </a:t>
+            </a:r>
+            <a:r>
+              <a:rPr lang="en-US" dirty="0" err="1">
+                <a:latin typeface="Consolas" panose="020B0609020204030204" pitchFamily="49" charset="0"/>
+                <a:cs typeface="Consolas" panose="020B0609020204030204" pitchFamily="49" charset="0"/>
+              </a:rPr>
+              <a:t>fill_zerro</a:t>
+            </a:r>
+            <a:r>
+              <a:rPr lang="en-US" dirty="0" smtClean="0">
+                <a:solidFill>
+                  <a:srgbClr val="008000"/>
+                </a:solidFill>
+                <a:latin typeface="Consolas" panose="020B0609020204030204" pitchFamily="49" charset="0"/>
+                <a:cs typeface="Consolas" panose="020B0609020204030204" pitchFamily="49" charset="0"/>
+              </a:rPr>
+              <a:t>(){</a:t>
+            </a:r>
+          </a:p>
+          <a:p>
+            <a:r>
+              <a:rPr lang="en-US" dirty="0">
+                <a:latin typeface="Consolas" panose="020B0609020204030204" pitchFamily="49" charset="0"/>
+                <a:cs typeface="Consolas" panose="020B0609020204030204" pitchFamily="49" charset="0"/>
+              </a:rPr>
+              <a:t> </a:t>
+            </a:r>
+            <a:r>
+              <a:rPr lang="en-US" dirty="0" smtClean="0">
+                <a:latin typeface="Consolas" panose="020B0609020204030204" pitchFamily="49" charset="0"/>
+                <a:cs typeface="Consolas" panose="020B0609020204030204" pitchFamily="49" charset="0"/>
+              </a:rPr>
+              <a:t>   </a:t>
+            </a:r>
+            <a:r>
+              <a:rPr lang="en-US" dirty="0" err="1" smtClean="0">
+                <a:solidFill>
+                  <a:srgbClr val="0000FF"/>
+                </a:solidFill>
+                <a:latin typeface="Consolas" panose="020B0609020204030204" pitchFamily="49" charset="0"/>
+                <a:cs typeface="Consolas" panose="020B0609020204030204" pitchFamily="49" charset="0"/>
+              </a:rPr>
+              <a:t>int</a:t>
+            </a:r>
+            <a:r>
+              <a:rPr lang="en-US" dirty="0" smtClean="0">
+                <a:latin typeface="Consolas" panose="020B0609020204030204" pitchFamily="49" charset="0"/>
+                <a:cs typeface="Consolas" panose="020B0609020204030204" pitchFamily="49" charset="0"/>
+              </a:rPr>
+              <a:t> </a:t>
+            </a:r>
+            <a:r>
+              <a:rPr lang="en-US" dirty="0">
+                <a:solidFill>
+                  <a:srgbClr val="000040"/>
+                </a:solidFill>
+                <a:latin typeface="Consolas" panose="020B0609020204030204" pitchFamily="49" charset="0"/>
+                <a:cs typeface="Consolas" panose="020B0609020204030204" pitchFamily="49" charset="0"/>
+              </a:rPr>
+              <a:t>*</a:t>
+            </a:r>
+            <a:r>
+              <a:rPr lang="en-US" dirty="0">
+                <a:latin typeface="Consolas" panose="020B0609020204030204" pitchFamily="49" charset="0"/>
+                <a:cs typeface="Consolas" panose="020B0609020204030204" pitchFamily="49" charset="0"/>
+              </a:rPr>
+              <a:t>array </a:t>
+            </a:r>
+            <a:r>
+              <a:rPr lang="en-US" dirty="0">
+                <a:solidFill>
+                  <a:srgbClr val="000080"/>
+                </a:solidFill>
+                <a:latin typeface="Consolas" panose="020B0609020204030204" pitchFamily="49" charset="0"/>
+                <a:cs typeface="Consolas" panose="020B0609020204030204" pitchFamily="49" charset="0"/>
+              </a:rPr>
+              <a:t>=</a:t>
+            </a:r>
+            <a:r>
+              <a:rPr lang="en-US" dirty="0">
+                <a:latin typeface="Consolas" panose="020B0609020204030204" pitchFamily="49" charset="0"/>
+                <a:cs typeface="Consolas" panose="020B0609020204030204" pitchFamily="49" charset="0"/>
+              </a:rPr>
+              <a:t> </a:t>
+            </a:r>
+            <a:r>
+              <a:rPr lang="en-US" dirty="0">
+                <a:solidFill>
+                  <a:srgbClr val="0000DD"/>
+                </a:solidFill>
+                <a:latin typeface="Consolas" panose="020B0609020204030204" pitchFamily="49" charset="0"/>
+                <a:cs typeface="Consolas" panose="020B0609020204030204" pitchFamily="49" charset="0"/>
+              </a:rPr>
+              <a:t>new</a:t>
+            </a:r>
+            <a:r>
+              <a:rPr lang="en-US" dirty="0">
+                <a:latin typeface="Consolas" panose="020B0609020204030204" pitchFamily="49" charset="0"/>
+                <a:cs typeface="Consolas" panose="020B0609020204030204" pitchFamily="49" charset="0"/>
+              </a:rPr>
+              <a:t> </a:t>
+            </a:r>
+            <a:r>
+              <a:rPr lang="en-US" dirty="0" err="1">
+                <a:solidFill>
+                  <a:srgbClr val="0000FF"/>
+                </a:solidFill>
+                <a:latin typeface="Consolas" panose="020B0609020204030204" pitchFamily="49" charset="0"/>
+                <a:cs typeface="Consolas" panose="020B0609020204030204" pitchFamily="49" charset="0"/>
+              </a:rPr>
+              <a:t>int</a:t>
+            </a:r>
+            <a:r>
+              <a:rPr lang="en-US" dirty="0">
+                <a:solidFill>
+                  <a:srgbClr val="008000"/>
+                </a:solidFill>
+                <a:latin typeface="Consolas" panose="020B0609020204030204" pitchFamily="49" charset="0"/>
+                <a:cs typeface="Consolas" panose="020B0609020204030204" pitchFamily="49" charset="0"/>
+              </a:rPr>
+              <a:t>[</a:t>
+            </a:r>
+            <a:r>
+              <a:rPr lang="en-US" dirty="0">
+                <a:solidFill>
+                  <a:srgbClr val="0000DD"/>
+                </a:solidFill>
+                <a:latin typeface="Consolas" panose="020B0609020204030204" pitchFamily="49" charset="0"/>
+                <a:cs typeface="Consolas" panose="020B0609020204030204" pitchFamily="49" charset="0"/>
+              </a:rPr>
+              <a:t>10</a:t>
+            </a:r>
+            <a:r>
+              <a:rPr lang="en-US" dirty="0">
+                <a:solidFill>
+                  <a:srgbClr val="008000"/>
+                </a:solidFill>
+                <a:latin typeface="Consolas" panose="020B0609020204030204" pitchFamily="49" charset="0"/>
+                <a:cs typeface="Consolas" panose="020B0609020204030204" pitchFamily="49" charset="0"/>
+              </a:rPr>
+              <a:t>]</a:t>
+            </a:r>
+            <a:r>
+              <a:rPr lang="en-US" dirty="0">
+                <a:latin typeface="Consolas" panose="020B0609020204030204" pitchFamily="49" charset="0"/>
+                <a:cs typeface="Consolas" panose="020B0609020204030204" pitchFamily="49" charset="0"/>
+              </a:rPr>
+              <a:t> </a:t>
+            </a:r>
+            <a:r>
+              <a:rPr lang="en-US" dirty="0">
+                <a:solidFill>
+                  <a:srgbClr val="008000"/>
+                </a:solidFill>
+                <a:latin typeface="Consolas" panose="020B0609020204030204" pitchFamily="49" charset="0"/>
+                <a:cs typeface="Consolas" panose="020B0609020204030204" pitchFamily="49" charset="0"/>
+              </a:rPr>
+              <a:t>{</a:t>
+            </a:r>
+            <a:r>
+              <a:rPr lang="en-US" dirty="0">
+                <a:solidFill>
+                  <a:srgbClr val="0000DD"/>
+                </a:solidFill>
+                <a:latin typeface="Consolas" panose="020B0609020204030204" pitchFamily="49" charset="0"/>
+                <a:cs typeface="Consolas" panose="020B0609020204030204" pitchFamily="49" charset="0"/>
+              </a:rPr>
+              <a:t>0</a:t>
+            </a:r>
+            <a:r>
+              <a:rPr lang="en-US" dirty="0" smtClean="0">
+                <a:solidFill>
+                  <a:srgbClr val="008000"/>
+                </a:solidFill>
+                <a:latin typeface="Consolas" panose="020B0609020204030204" pitchFamily="49" charset="0"/>
+                <a:cs typeface="Consolas" panose="020B0609020204030204" pitchFamily="49" charset="0"/>
+              </a:rPr>
+              <a:t>}</a:t>
+            </a:r>
+            <a:r>
+              <a:rPr lang="en-US" dirty="0" smtClean="0">
+                <a:solidFill>
+                  <a:srgbClr val="008080"/>
+                </a:solidFill>
+                <a:latin typeface="Consolas" panose="020B0609020204030204" pitchFamily="49" charset="0"/>
+                <a:cs typeface="Consolas" panose="020B0609020204030204" pitchFamily="49" charset="0"/>
+              </a:rPr>
+              <a:t>;</a:t>
+            </a:r>
+            <a:endParaRPr lang="en-US" dirty="0" smtClean="0">
+              <a:latin typeface="Consolas" panose="020B0609020204030204" pitchFamily="49" charset="0"/>
+              <a:cs typeface="Consolas" panose="020B0609020204030204" pitchFamily="49" charset="0"/>
+            </a:endParaRPr>
+          </a:p>
+          <a:p>
+            <a:r>
+              <a:rPr lang="en-US" dirty="0" smtClean="0">
+                <a:solidFill>
+                  <a:srgbClr val="0000FF"/>
+                </a:solidFill>
+                <a:latin typeface="Consolas" panose="020B0609020204030204" pitchFamily="49" charset="0"/>
+                <a:cs typeface="Consolas" panose="020B0609020204030204" pitchFamily="49" charset="0"/>
+              </a:rPr>
+              <a:t>    return</a:t>
+            </a:r>
+            <a:r>
+              <a:rPr lang="en-US" dirty="0" smtClean="0">
+                <a:latin typeface="Consolas" panose="020B0609020204030204" pitchFamily="49" charset="0"/>
+                <a:cs typeface="Consolas" panose="020B0609020204030204" pitchFamily="49" charset="0"/>
+              </a:rPr>
+              <a:t> </a:t>
+            </a:r>
+            <a:r>
+              <a:rPr lang="en-US" dirty="0">
+                <a:latin typeface="Consolas" panose="020B0609020204030204" pitchFamily="49" charset="0"/>
+                <a:cs typeface="Consolas" panose="020B0609020204030204" pitchFamily="49" charset="0"/>
+              </a:rPr>
+              <a:t>array</a:t>
+            </a:r>
+            <a:r>
+              <a:rPr lang="en-US" dirty="0" smtClean="0">
+                <a:solidFill>
+                  <a:srgbClr val="008080"/>
+                </a:solidFill>
+                <a:latin typeface="Consolas" panose="020B0609020204030204" pitchFamily="49" charset="0"/>
+                <a:cs typeface="Consolas" panose="020B0609020204030204" pitchFamily="49" charset="0"/>
+              </a:rPr>
+              <a:t>;</a:t>
+            </a:r>
+            <a:endParaRPr lang="en-US" dirty="0" smtClean="0">
+              <a:latin typeface="Consolas" panose="020B0609020204030204" pitchFamily="49" charset="0"/>
+              <a:cs typeface="Consolas" panose="020B0609020204030204" pitchFamily="49" charset="0"/>
+            </a:endParaRPr>
+          </a:p>
+          <a:p>
+            <a:r>
+              <a:rPr lang="en-US" dirty="0" smtClean="0">
+                <a:solidFill>
+                  <a:srgbClr val="008000"/>
+                </a:solidFill>
+                <a:latin typeface="Consolas" panose="020B0609020204030204" pitchFamily="49" charset="0"/>
+                <a:cs typeface="Consolas" panose="020B0609020204030204" pitchFamily="49" charset="0"/>
+              </a:rPr>
+              <a:t>}</a:t>
+            </a:r>
+            <a:endParaRPr lang="en-US" dirty="0">
+              <a:latin typeface="Consolas" panose="020B0609020204030204" pitchFamily="49" charset="0"/>
+              <a:cs typeface="Consolas" panose="020B0609020204030204" pitchFamily="49" charset="0"/>
+            </a:endParaRPr>
+          </a:p>
+          <a:p>
+            <a:r>
+              <a:rPr lang="en-US" dirty="0" err="1" smtClean="0">
+                <a:solidFill>
+                  <a:srgbClr val="0000FF"/>
+                </a:solidFill>
+                <a:latin typeface="Consolas" panose="020B0609020204030204" pitchFamily="49" charset="0"/>
+                <a:cs typeface="Consolas" panose="020B0609020204030204" pitchFamily="49" charset="0"/>
+              </a:rPr>
+              <a:t>int</a:t>
+            </a:r>
+            <a:r>
+              <a:rPr lang="en-US" dirty="0" smtClean="0">
+                <a:latin typeface="Consolas" panose="020B0609020204030204" pitchFamily="49" charset="0"/>
+                <a:cs typeface="Consolas" panose="020B0609020204030204" pitchFamily="49" charset="0"/>
+              </a:rPr>
+              <a:t> </a:t>
+            </a:r>
+            <a:r>
+              <a:rPr lang="en-US" dirty="0">
+                <a:latin typeface="Consolas" panose="020B0609020204030204" pitchFamily="49" charset="0"/>
+                <a:cs typeface="Consolas" panose="020B0609020204030204" pitchFamily="49" charset="0"/>
+              </a:rPr>
+              <a:t>main</a:t>
+            </a:r>
+            <a:r>
+              <a:rPr lang="en-US" dirty="0" smtClean="0">
+                <a:solidFill>
+                  <a:srgbClr val="008000"/>
+                </a:solidFill>
+                <a:latin typeface="Consolas" panose="020B0609020204030204" pitchFamily="49" charset="0"/>
+                <a:cs typeface="Consolas" panose="020B0609020204030204" pitchFamily="49" charset="0"/>
+              </a:rPr>
+              <a:t>(){</a:t>
+            </a:r>
+            <a:endParaRPr lang="en-US" dirty="0">
+              <a:latin typeface="Consolas" panose="020B0609020204030204" pitchFamily="49" charset="0"/>
+              <a:cs typeface="Consolas" panose="020B0609020204030204" pitchFamily="49" charset="0"/>
+            </a:endParaRPr>
+          </a:p>
+          <a:p>
+            <a:r>
+              <a:rPr lang="en-US" dirty="0" smtClean="0">
+                <a:solidFill>
+                  <a:srgbClr val="0000FF"/>
+                </a:solidFill>
+                <a:latin typeface="Consolas" panose="020B0609020204030204" pitchFamily="49" charset="0"/>
+                <a:cs typeface="Consolas" panose="020B0609020204030204" pitchFamily="49" charset="0"/>
+              </a:rPr>
+              <a:t>    </a:t>
+            </a:r>
+            <a:r>
+              <a:rPr lang="en-US" dirty="0" err="1" smtClean="0">
+                <a:solidFill>
+                  <a:srgbClr val="0000FF"/>
+                </a:solidFill>
+                <a:latin typeface="Consolas" panose="020B0609020204030204" pitchFamily="49" charset="0"/>
+                <a:cs typeface="Consolas" panose="020B0609020204030204" pitchFamily="49" charset="0"/>
+              </a:rPr>
+              <a:t>int</a:t>
+            </a:r>
+            <a:r>
+              <a:rPr lang="en-US" dirty="0">
+                <a:solidFill>
+                  <a:srgbClr val="000040"/>
+                </a:solidFill>
+                <a:latin typeface="Consolas" panose="020B0609020204030204" pitchFamily="49" charset="0"/>
+                <a:cs typeface="Consolas" panose="020B0609020204030204" pitchFamily="49" charset="0"/>
+              </a:rPr>
+              <a:t>*</a:t>
+            </a:r>
+            <a:r>
+              <a:rPr lang="en-US" dirty="0">
+                <a:latin typeface="Consolas" panose="020B0609020204030204" pitchFamily="49" charset="0"/>
+                <a:cs typeface="Consolas" panose="020B0609020204030204" pitchFamily="49" charset="0"/>
+              </a:rPr>
+              <a:t> </a:t>
+            </a:r>
+            <a:r>
+              <a:rPr lang="en-US" dirty="0" err="1">
+                <a:latin typeface="Consolas" panose="020B0609020204030204" pitchFamily="49" charset="0"/>
+                <a:cs typeface="Consolas" panose="020B0609020204030204" pitchFamily="49" charset="0"/>
+              </a:rPr>
+              <a:t>arr</a:t>
+            </a:r>
+            <a:r>
+              <a:rPr lang="en-US" dirty="0">
+                <a:latin typeface="Consolas" panose="020B0609020204030204" pitchFamily="49" charset="0"/>
+                <a:cs typeface="Consolas" panose="020B0609020204030204" pitchFamily="49" charset="0"/>
+              </a:rPr>
+              <a:t> </a:t>
+            </a:r>
+            <a:r>
+              <a:rPr lang="en-US" dirty="0">
+                <a:solidFill>
+                  <a:srgbClr val="000080"/>
+                </a:solidFill>
+                <a:latin typeface="Consolas" panose="020B0609020204030204" pitchFamily="49" charset="0"/>
+                <a:cs typeface="Consolas" panose="020B0609020204030204" pitchFamily="49" charset="0"/>
+              </a:rPr>
+              <a:t>=</a:t>
+            </a:r>
+            <a:r>
+              <a:rPr lang="en-US" dirty="0">
+                <a:latin typeface="Consolas" panose="020B0609020204030204" pitchFamily="49" charset="0"/>
+                <a:cs typeface="Consolas" panose="020B0609020204030204" pitchFamily="49" charset="0"/>
+              </a:rPr>
+              <a:t> </a:t>
+            </a:r>
+            <a:r>
+              <a:rPr lang="en-US" dirty="0" err="1">
+                <a:latin typeface="Consolas" panose="020B0609020204030204" pitchFamily="49" charset="0"/>
+                <a:cs typeface="Consolas" panose="020B0609020204030204" pitchFamily="49" charset="0"/>
+              </a:rPr>
+              <a:t>fill_zerro</a:t>
+            </a:r>
+            <a:r>
+              <a:rPr lang="en-US" dirty="0" smtClean="0">
+                <a:solidFill>
+                  <a:srgbClr val="008000"/>
+                </a:solidFill>
+                <a:latin typeface="Consolas" panose="020B0609020204030204" pitchFamily="49" charset="0"/>
+                <a:cs typeface="Consolas" panose="020B0609020204030204" pitchFamily="49" charset="0"/>
+              </a:rPr>
+              <a:t>()</a:t>
+            </a:r>
+            <a:r>
+              <a:rPr lang="en-US" dirty="0" smtClean="0">
+                <a:solidFill>
+                  <a:srgbClr val="008080"/>
+                </a:solidFill>
+                <a:latin typeface="Consolas" panose="020B0609020204030204" pitchFamily="49" charset="0"/>
+                <a:cs typeface="Consolas" panose="020B0609020204030204" pitchFamily="49" charset="0"/>
+              </a:rPr>
+              <a:t>;</a:t>
+            </a:r>
+            <a:endParaRPr lang="en-US" dirty="0" smtClean="0">
+              <a:latin typeface="Consolas" panose="020B0609020204030204" pitchFamily="49" charset="0"/>
+              <a:cs typeface="Consolas" panose="020B0609020204030204" pitchFamily="49" charset="0"/>
+            </a:endParaRPr>
+          </a:p>
+          <a:p>
+            <a:r>
+              <a:rPr lang="en-US" dirty="0">
+                <a:solidFill>
+                  <a:srgbClr val="0000DD"/>
+                </a:solidFill>
+                <a:latin typeface="Consolas" panose="020B0609020204030204" pitchFamily="49" charset="0"/>
+                <a:cs typeface="Consolas" panose="020B0609020204030204" pitchFamily="49" charset="0"/>
+              </a:rPr>
+              <a:t> </a:t>
+            </a:r>
+            <a:r>
+              <a:rPr lang="en-US" dirty="0" smtClean="0">
+                <a:solidFill>
+                  <a:srgbClr val="0000DD"/>
+                </a:solidFill>
+                <a:latin typeface="Consolas" panose="020B0609020204030204" pitchFamily="49" charset="0"/>
+                <a:cs typeface="Consolas" panose="020B0609020204030204" pitchFamily="49" charset="0"/>
+              </a:rPr>
+              <a:t>   delete</a:t>
+            </a:r>
+            <a:r>
+              <a:rPr lang="en-US" dirty="0">
+                <a:solidFill>
+                  <a:srgbClr val="008000"/>
+                </a:solidFill>
+                <a:latin typeface="Consolas" panose="020B0609020204030204" pitchFamily="49" charset="0"/>
+                <a:cs typeface="Consolas" panose="020B0609020204030204" pitchFamily="49" charset="0"/>
+              </a:rPr>
+              <a:t>[]</a:t>
+            </a:r>
+            <a:r>
+              <a:rPr lang="en-US" dirty="0">
+                <a:latin typeface="Consolas" panose="020B0609020204030204" pitchFamily="49" charset="0"/>
+                <a:cs typeface="Consolas" panose="020B0609020204030204" pitchFamily="49" charset="0"/>
+              </a:rPr>
+              <a:t> </a:t>
+            </a:r>
+            <a:r>
+              <a:rPr lang="en-US" dirty="0" err="1" smtClean="0">
+                <a:latin typeface="Consolas" panose="020B0609020204030204" pitchFamily="49" charset="0"/>
+                <a:cs typeface="Consolas" panose="020B0609020204030204" pitchFamily="49" charset="0"/>
+              </a:rPr>
+              <a:t>arr</a:t>
+            </a:r>
+            <a:r>
+              <a:rPr lang="en-US" dirty="0" smtClean="0">
+                <a:solidFill>
+                  <a:srgbClr val="008080"/>
+                </a:solidFill>
+                <a:latin typeface="Consolas" panose="020B0609020204030204" pitchFamily="49" charset="0"/>
+                <a:cs typeface="Consolas" panose="020B0609020204030204" pitchFamily="49" charset="0"/>
+              </a:rPr>
+              <a:t>;</a:t>
+            </a:r>
+            <a:r>
+              <a:rPr lang="ru-RU" dirty="0" smtClean="0">
+                <a:solidFill>
+                  <a:srgbClr val="008080"/>
+                </a:solidFill>
+                <a:latin typeface="Consolas" panose="020B0609020204030204" pitchFamily="49" charset="0"/>
+                <a:cs typeface="Consolas" panose="020B0609020204030204" pitchFamily="49" charset="0"/>
+              </a:rPr>
+              <a:t>  </a:t>
+            </a:r>
+            <a:r>
+              <a:rPr lang="ru-RU" dirty="0" smtClean="0">
+                <a:solidFill>
+                  <a:srgbClr val="666666"/>
+                </a:solidFill>
+                <a:latin typeface="Consolas" panose="020B0609020204030204" pitchFamily="49" charset="0"/>
+                <a:cs typeface="Consolas" panose="020B0609020204030204" pitchFamily="49" charset="0"/>
+              </a:rPr>
+              <a:t>// </a:t>
+            </a:r>
+            <a:r>
+              <a:rPr lang="ru-RU" dirty="0">
+                <a:solidFill>
+                  <a:srgbClr val="666666"/>
+                </a:solidFill>
+                <a:latin typeface="Consolas" panose="020B0609020204030204" pitchFamily="49" charset="0"/>
+                <a:cs typeface="Consolas" panose="020B0609020204030204" pitchFamily="49" charset="0"/>
+              </a:rPr>
+              <a:t>Не забываем удалить</a:t>
+            </a:r>
+            <a:endParaRPr lang="en-US" dirty="0">
+              <a:solidFill>
+                <a:srgbClr val="666666"/>
+              </a:solidFill>
+              <a:latin typeface="Consolas" panose="020B0609020204030204" pitchFamily="49" charset="0"/>
+              <a:cs typeface="Consolas" panose="020B0609020204030204" pitchFamily="49" charset="0"/>
+            </a:endParaRPr>
+          </a:p>
+          <a:p>
+            <a:r>
+              <a:rPr lang="en-US" dirty="0">
+                <a:solidFill>
+                  <a:srgbClr val="0000FF"/>
+                </a:solidFill>
+                <a:latin typeface="Consolas" panose="020B0609020204030204" pitchFamily="49" charset="0"/>
+                <a:cs typeface="Consolas" panose="020B0609020204030204" pitchFamily="49" charset="0"/>
+              </a:rPr>
+              <a:t> </a:t>
+            </a:r>
+            <a:r>
+              <a:rPr lang="en-US" dirty="0" smtClean="0">
+                <a:solidFill>
+                  <a:srgbClr val="0000FF"/>
+                </a:solidFill>
+                <a:latin typeface="Consolas" panose="020B0609020204030204" pitchFamily="49" charset="0"/>
+                <a:cs typeface="Consolas" panose="020B0609020204030204" pitchFamily="49" charset="0"/>
+              </a:rPr>
+              <a:t>   return</a:t>
+            </a:r>
+            <a:r>
+              <a:rPr lang="en-US" dirty="0" smtClean="0">
+                <a:latin typeface="Consolas" panose="020B0609020204030204" pitchFamily="49" charset="0"/>
+                <a:cs typeface="Consolas" panose="020B0609020204030204" pitchFamily="49" charset="0"/>
+              </a:rPr>
+              <a:t> </a:t>
+            </a:r>
+            <a:r>
+              <a:rPr lang="en-US" dirty="0">
+                <a:solidFill>
+                  <a:srgbClr val="0000DD"/>
+                </a:solidFill>
+                <a:latin typeface="Consolas" panose="020B0609020204030204" pitchFamily="49" charset="0"/>
+                <a:cs typeface="Consolas" panose="020B0609020204030204" pitchFamily="49" charset="0"/>
+              </a:rPr>
+              <a:t>0</a:t>
+            </a:r>
+            <a:r>
+              <a:rPr lang="en-US" dirty="0" smtClean="0">
+                <a:solidFill>
+                  <a:srgbClr val="008080"/>
+                </a:solidFill>
+                <a:latin typeface="Consolas" panose="020B0609020204030204" pitchFamily="49" charset="0"/>
+                <a:cs typeface="Consolas" panose="020B0609020204030204" pitchFamily="49" charset="0"/>
+              </a:rPr>
+              <a:t>;</a:t>
+            </a:r>
+            <a:endParaRPr lang="en-US" dirty="0" smtClean="0">
+              <a:latin typeface="Consolas" panose="020B0609020204030204" pitchFamily="49" charset="0"/>
+              <a:cs typeface="Consolas" panose="020B0609020204030204" pitchFamily="49" charset="0"/>
+            </a:endParaRPr>
+          </a:p>
+          <a:p>
+            <a:r>
+              <a:rPr lang="en-US" dirty="0" smtClean="0">
+                <a:solidFill>
+                  <a:srgbClr val="008000"/>
+                </a:solidFill>
+                <a:latin typeface="Consolas" panose="020B0609020204030204" pitchFamily="49" charset="0"/>
+                <a:cs typeface="Consolas" panose="020B0609020204030204" pitchFamily="49" charset="0"/>
+              </a:rPr>
+              <a:t>}</a:t>
+            </a:r>
+            <a:endParaRPr lang="en-US" dirty="0">
+              <a:latin typeface="Consolas" panose="020B0609020204030204" pitchFamily="49" charset="0"/>
+              <a:cs typeface="Consolas" panose="020B0609020204030204" pitchFamily="49" charset="0"/>
+            </a:endParaRPr>
+          </a:p>
+        </p:txBody>
+      </p:sp>
+    </p:spTree>
+    <p:extLst>
+      <p:ext uri="{BB962C8B-B14F-4D97-AF65-F5344CB8AC3E}">
+        <p14:creationId xmlns:p14="http://schemas.microsoft.com/office/powerpoint/2010/main" val="3370506899"/>
       </p:ext>
     </p:extLst>
   </p:cSld>
